--- a/images/logo.pptx
+++ b/images/logo.pptx
@@ -2,12 +2,13 @@
 <file path=ppt/presentation.xml><?xml version="1.0" encoding="utf-8"?>
 <p:presentation xmlns:a="http://schemas.openxmlformats.org/drawingml/2006/main" xmlns:r="http://schemas.openxmlformats.org/officeDocument/2006/relationships" xmlns:p="http://schemas.openxmlformats.org/presentationml/2006/main" saveSubsetFonts="1" autoCompressPictures="0">
   <p:sldMasterIdLst>
-    <p:sldMasterId id="2147483672" r:id="rId1"/>
+    <p:sldMasterId id="2147483684" r:id="rId1"/>
   </p:sldMasterIdLst>
   <p:sldIdLst>
     <p:sldId id="256" r:id="rId2"/>
+    <p:sldId id="257" r:id="rId3"/>
   </p:sldIdLst>
-  <p:sldSz cx="7199313" cy="3600450"/>
+  <p:sldSz cx="3600450" cy="3600450"/>
   <p:notesSz cx="6858000" cy="9144000"/>
   <p:defaultTextStyle>
     <a:defPPr>
@@ -104,6 +105,11 @@
       </a:defRPr>
     </a:lvl9pPr>
   </p:defaultTextStyle>
+  <p:extLst>
+    <p:ext uri="{EFAFB233-063F-42B5-8137-9DF3F51BA10A}">
+      <p15:sldGuideLst xmlns:p15="http://schemas.microsoft.com/office/powerpoint/2012/main"/>
+    </p:ext>
+  </p:extLst>
 </p:presentation>
 </file>
 
@@ -136,15 +142,15 @@
         </p:nvSpPr>
         <p:spPr>
           <a:xfrm>
-            <a:off x="899914" y="589241"/>
-            <a:ext cx="5399485" cy="1253490"/>
+            <a:off x="270034" y="589241"/>
+            <a:ext cx="3060383" cy="1253490"/>
           </a:xfrm>
         </p:spPr>
         <p:txBody>
           <a:bodyPr anchor="b"/>
           <a:lstStyle>
             <a:lvl1pPr algn="ctr">
-              <a:defRPr sz="3150"/>
+              <a:defRPr sz="2363"/>
             </a:lvl1pPr>
           </a:lstStyle>
           <a:p>
@@ -168,8 +174,8 @@
         </p:nvSpPr>
         <p:spPr>
           <a:xfrm>
-            <a:off x="899914" y="1891070"/>
-            <a:ext cx="5399485" cy="869275"/>
+            <a:off x="450056" y="1891070"/>
+            <a:ext cx="2700338" cy="869275"/>
           </a:xfrm>
         </p:spPr>
         <p:txBody>
@@ -177,39 +183,39 @@
           <a:lstStyle>
             <a:lvl1pPr marL="0" indent="0" algn="ctr">
               <a:buNone/>
-              <a:defRPr sz="1260"/>
+              <a:defRPr sz="945"/>
             </a:lvl1pPr>
-            <a:lvl2pPr marL="240030" indent="0" algn="ctr">
-              <a:buNone/>
-              <a:defRPr sz="1050"/>
+            <a:lvl2pPr marL="180045" indent="0" algn="ctr">
+              <a:buNone/>
+              <a:defRPr sz="788"/>
             </a:lvl2pPr>
-            <a:lvl3pPr marL="480060" indent="0" algn="ctr">
-              <a:buNone/>
-              <a:defRPr sz="945"/>
+            <a:lvl3pPr marL="360091" indent="0" algn="ctr">
+              <a:buNone/>
+              <a:defRPr sz="709"/>
             </a:lvl3pPr>
-            <a:lvl4pPr marL="720090" indent="0" algn="ctr">
-              <a:buNone/>
-              <a:defRPr sz="840"/>
+            <a:lvl4pPr marL="540136" indent="0" algn="ctr">
+              <a:buNone/>
+              <a:defRPr sz="630"/>
             </a:lvl4pPr>
-            <a:lvl5pPr marL="960120" indent="0" algn="ctr">
-              <a:buNone/>
-              <a:defRPr sz="840"/>
+            <a:lvl5pPr marL="720181" indent="0" algn="ctr">
+              <a:buNone/>
+              <a:defRPr sz="630"/>
             </a:lvl5pPr>
-            <a:lvl6pPr marL="1200150" indent="0" algn="ctr">
-              <a:buNone/>
-              <a:defRPr sz="840"/>
+            <a:lvl6pPr marL="900227" indent="0" algn="ctr">
+              <a:buNone/>
+              <a:defRPr sz="630"/>
             </a:lvl6pPr>
-            <a:lvl7pPr marL="1440180" indent="0" algn="ctr">
-              <a:buNone/>
-              <a:defRPr sz="840"/>
+            <a:lvl7pPr marL="1080272" indent="0" algn="ctr">
+              <a:buNone/>
+              <a:defRPr sz="630"/>
             </a:lvl7pPr>
-            <a:lvl8pPr marL="1680210" indent="0" algn="ctr">
-              <a:buNone/>
-              <a:defRPr sz="840"/>
+            <a:lvl8pPr marL="1260318" indent="0" algn="ctr">
+              <a:buNone/>
+              <a:defRPr sz="630"/>
             </a:lvl8pPr>
-            <a:lvl9pPr marL="1920240" indent="0" algn="ctr">
-              <a:buNone/>
-              <a:defRPr sz="840"/>
+            <a:lvl9pPr marL="1440363" indent="0" algn="ctr">
+              <a:buNone/>
+              <a:defRPr sz="630"/>
             </a:lvl9pPr>
           </a:lstStyle>
           <a:p>
@@ -289,7 +295,7 @@
     </p:spTree>
     <p:extLst>
       <p:ext uri="{BB962C8B-B14F-4D97-AF65-F5344CB8AC3E}">
-        <p14:creationId xmlns:p14="http://schemas.microsoft.com/office/powerpoint/2010/main" val="3516466781"/>
+        <p14:creationId xmlns:p14="http://schemas.microsoft.com/office/powerpoint/2010/main" val="3021578138"/>
       </p:ext>
     </p:extLst>
   </p:cSld>
@@ -459,7 +465,7 @@
     </p:spTree>
     <p:extLst>
       <p:ext uri="{BB962C8B-B14F-4D97-AF65-F5344CB8AC3E}">
-        <p14:creationId xmlns:p14="http://schemas.microsoft.com/office/powerpoint/2010/main" val="2865223353"/>
+        <p14:creationId xmlns:p14="http://schemas.microsoft.com/office/powerpoint/2010/main" val="1341463599"/>
       </p:ext>
     </p:extLst>
   </p:cSld>
@@ -498,8 +504,8 @@
         </p:nvSpPr>
         <p:spPr>
           <a:xfrm>
-            <a:off x="5152008" y="191691"/>
-            <a:ext cx="1552352" cy="3051215"/>
+            <a:off x="2576572" y="191691"/>
+            <a:ext cx="776347" cy="3051215"/>
           </a:xfrm>
         </p:spPr>
         <p:txBody>
@@ -526,8 +532,8 @@
         </p:nvSpPr>
         <p:spPr>
           <a:xfrm>
-            <a:off x="494953" y="191691"/>
-            <a:ext cx="4567064" cy="3051215"/>
+            <a:off x="247531" y="191691"/>
+            <a:ext cx="2284035" cy="3051215"/>
           </a:xfrm>
         </p:spPr>
         <p:txBody>
@@ -639,7 +645,7 @@
     </p:spTree>
     <p:extLst>
       <p:ext uri="{BB962C8B-B14F-4D97-AF65-F5344CB8AC3E}">
-        <p14:creationId xmlns:p14="http://schemas.microsoft.com/office/powerpoint/2010/main" val="1394591579"/>
+        <p14:creationId xmlns:p14="http://schemas.microsoft.com/office/powerpoint/2010/main" val="220941569"/>
       </p:ext>
     </p:extLst>
   </p:cSld>
@@ -809,7 +815,7 @@
     </p:spTree>
     <p:extLst>
       <p:ext uri="{BB962C8B-B14F-4D97-AF65-F5344CB8AC3E}">
-        <p14:creationId xmlns:p14="http://schemas.microsoft.com/office/powerpoint/2010/main" val="3033227927"/>
+        <p14:creationId xmlns:p14="http://schemas.microsoft.com/office/powerpoint/2010/main" val="4292193844"/>
       </p:ext>
     </p:extLst>
   </p:cSld>
@@ -848,15 +854,15 @@
         </p:nvSpPr>
         <p:spPr>
           <a:xfrm>
-            <a:off x="491203" y="897613"/>
-            <a:ext cx="6209407" cy="1497687"/>
+            <a:off x="245656" y="897613"/>
+            <a:ext cx="3105388" cy="1497687"/>
           </a:xfrm>
         </p:spPr>
         <p:txBody>
           <a:bodyPr anchor="b"/>
           <a:lstStyle>
             <a:lvl1pPr>
-              <a:defRPr sz="3150"/>
+              <a:defRPr sz="2363"/>
             </a:lvl1pPr>
           </a:lstStyle>
           <a:p>
@@ -880,8 +886,8 @@
         </p:nvSpPr>
         <p:spPr>
           <a:xfrm>
-            <a:off x="491203" y="2409468"/>
-            <a:ext cx="6209407" cy="787598"/>
+            <a:off x="245656" y="2409469"/>
+            <a:ext cx="3105388" cy="787598"/>
           </a:xfrm>
         </p:spPr>
         <p:txBody>
@@ -889,17 +895,15 @@
           <a:lstStyle>
             <a:lvl1pPr marL="0" indent="0">
               <a:buNone/>
-              <a:defRPr sz="1260">
+              <a:defRPr sz="945">
                 <a:solidFill>
-                  <a:schemeClr val="tx1">
-                    <a:tint val="75000"/>
-                  </a:schemeClr>
+                  <a:schemeClr val="tx1"/>
                 </a:solidFill>
               </a:defRPr>
             </a:lvl1pPr>
-            <a:lvl2pPr marL="240030" indent="0">
-              <a:buNone/>
-              <a:defRPr sz="1050">
+            <a:lvl2pPr marL="180045" indent="0">
+              <a:buNone/>
+              <a:defRPr sz="788">
                 <a:solidFill>
                   <a:schemeClr val="tx1">
                     <a:tint val="75000"/>
@@ -907,9 +911,9 @@
                 </a:solidFill>
               </a:defRPr>
             </a:lvl2pPr>
-            <a:lvl3pPr marL="480060" indent="0">
-              <a:buNone/>
-              <a:defRPr sz="945">
+            <a:lvl3pPr marL="360091" indent="0">
+              <a:buNone/>
+              <a:defRPr sz="709">
                 <a:solidFill>
                   <a:schemeClr val="tx1">
                     <a:tint val="75000"/>
@@ -917,9 +921,9 @@
                 </a:solidFill>
               </a:defRPr>
             </a:lvl3pPr>
-            <a:lvl4pPr marL="720090" indent="0">
-              <a:buNone/>
-              <a:defRPr sz="840">
+            <a:lvl4pPr marL="540136" indent="0">
+              <a:buNone/>
+              <a:defRPr sz="630">
                 <a:solidFill>
                   <a:schemeClr val="tx1">
                     <a:tint val="75000"/>
@@ -927,9 +931,9 @@
                 </a:solidFill>
               </a:defRPr>
             </a:lvl4pPr>
-            <a:lvl5pPr marL="960120" indent="0">
-              <a:buNone/>
-              <a:defRPr sz="840">
+            <a:lvl5pPr marL="720181" indent="0">
+              <a:buNone/>
+              <a:defRPr sz="630">
                 <a:solidFill>
                   <a:schemeClr val="tx1">
                     <a:tint val="75000"/>
@@ -937,9 +941,9 @@
                 </a:solidFill>
               </a:defRPr>
             </a:lvl5pPr>
-            <a:lvl6pPr marL="1200150" indent="0">
-              <a:buNone/>
-              <a:defRPr sz="840">
+            <a:lvl6pPr marL="900227" indent="0">
+              <a:buNone/>
+              <a:defRPr sz="630">
                 <a:solidFill>
                   <a:schemeClr val="tx1">
                     <a:tint val="75000"/>
@@ -947,9 +951,9 @@
                 </a:solidFill>
               </a:defRPr>
             </a:lvl6pPr>
-            <a:lvl7pPr marL="1440180" indent="0">
-              <a:buNone/>
-              <a:defRPr sz="840">
+            <a:lvl7pPr marL="1080272" indent="0">
+              <a:buNone/>
+              <a:defRPr sz="630">
                 <a:solidFill>
                   <a:schemeClr val="tx1">
                     <a:tint val="75000"/>
@@ -957,9 +961,9 @@
                 </a:solidFill>
               </a:defRPr>
             </a:lvl7pPr>
-            <a:lvl8pPr marL="1680210" indent="0">
-              <a:buNone/>
-              <a:defRPr sz="840">
+            <a:lvl8pPr marL="1260318" indent="0">
+              <a:buNone/>
+              <a:defRPr sz="630">
                 <a:solidFill>
                   <a:schemeClr val="tx1">
                     <a:tint val="75000"/>
@@ -967,9 +971,9 @@
                 </a:solidFill>
               </a:defRPr>
             </a:lvl8pPr>
-            <a:lvl9pPr marL="1920240" indent="0">
-              <a:buNone/>
-              <a:defRPr sz="840">
+            <a:lvl9pPr marL="1440363" indent="0">
+              <a:buNone/>
+              <a:defRPr sz="630">
                 <a:solidFill>
                   <a:schemeClr val="tx1">
                     <a:tint val="75000"/>
@@ -1055,7 +1059,7 @@
     </p:spTree>
     <p:extLst>
       <p:ext uri="{BB962C8B-B14F-4D97-AF65-F5344CB8AC3E}">
-        <p14:creationId xmlns:p14="http://schemas.microsoft.com/office/powerpoint/2010/main" val="2796508052"/>
+        <p14:creationId xmlns:p14="http://schemas.microsoft.com/office/powerpoint/2010/main" val="4184082905"/>
       </p:ext>
     </p:extLst>
   </p:cSld>
@@ -1117,8 +1121,8 @@
         </p:nvSpPr>
         <p:spPr>
           <a:xfrm>
-            <a:off x="494953" y="958453"/>
-            <a:ext cx="3059708" cy="2284452"/>
+            <a:off x="247531" y="958453"/>
+            <a:ext cx="1530191" cy="2284452"/>
           </a:xfrm>
         </p:spPr>
         <p:txBody>
@@ -1174,8 +1178,8 @@
         </p:nvSpPr>
         <p:spPr>
           <a:xfrm>
-            <a:off x="3644652" y="958453"/>
-            <a:ext cx="3059708" cy="2284452"/>
+            <a:off x="1822728" y="958453"/>
+            <a:ext cx="1530191" cy="2284452"/>
           </a:xfrm>
         </p:spPr>
         <p:txBody>
@@ -1287,7 +1291,7 @@
     </p:spTree>
     <p:extLst>
       <p:ext uri="{BB962C8B-B14F-4D97-AF65-F5344CB8AC3E}">
-        <p14:creationId xmlns:p14="http://schemas.microsoft.com/office/powerpoint/2010/main" val="2111238207"/>
+        <p14:creationId xmlns:p14="http://schemas.microsoft.com/office/powerpoint/2010/main" val="1502675383"/>
       </p:ext>
     </p:extLst>
   </p:cSld>
@@ -1326,8 +1330,8 @@
         </p:nvSpPr>
         <p:spPr>
           <a:xfrm>
-            <a:off x="495891" y="191691"/>
-            <a:ext cx="6209407" cy="695921"/>
+            <a:off x="248000" y="191691"/>
+            <a:ext cx="3105388" cy="695921"/>
           </a:xfrm>
         </p:spPr>
         <p:txBody>
@@ -1354,8 +1358,8 @@
         </p:nvSpPr>
         <p:spPr>
           <a:xfrm>
-            <a:off x="495891" y="882610"/>
-            <a:ext cx="3045647" cy="432554"/>
+            <a:off x="248000" y="882610"/>
+            <a:ext cx="1523159" cy="432554"/>
           </a:xfrm>
         </p:spPr>
         <p:txBody>
@@ -1363,39 +1367,39 @@
           <a:lstStyle>
             <a:lvl1pPr marL="0" indent="0">
               <a:buNone/>
-              <a:defRPr sz="1260" b="1"/>
+              <a:defRPr sz="945" b="1"/>
             </a:lvl1pPr>
-            <a:lvl2pPr marL="240030" indent="0">
-              <a:buNone/>
-              <a:defRPr sz="1050" b="1"/>
+            <a:lvl2pPr marL="180045" indent="0">
+              <a:buNone/>
+              <a:defRPr sz="788" b="1"/>
             </a:lvl2pPr>
-            <a:lvl3pPr marL="480060" indent="0">
-              <a:buNone/>
-              <a:defRPr sz="945" b="1"/>
+            <a:lvl3pPr marL="360091" indent="0">
+              <a:buNone/>
+              <a:defRPr sz="709" b="1"/>
             </a:lvl3pPr>
-            <a:lvl4pPr marL="720090" indent="0">
-              <a:buNone/>
-              <a:defRPr sz="840" b="1"/>
+            <a:lvl4pPr marL="540136" indent="0">
+              <a:buNone/>
+              <a:defRPr sz="630" b="1"/>
             </a:lvl4pPr>
-            <a:lvl5pPr marL="960120" indent="0">
-              <a:buNone/>
-              <a:defRPr sz="840" b="1"/>
+            <a:lvl5pPr marL="720181" indent="0">
+              <a:buNone/>
+              <a:defRPr sz="630" b="1"/>
             </a:lvl5pPr>
-            <a:lvl6pPr marL="1200150" indent="0">
-              <a:buNone/>
-              <a:defRPr sz="840" b="1"/>
+            <a:lvl6pPr marL="900227" indent="0">
+              <a:buNone/>
+              <a:defRPr sz="630" b="1"/>
             </a:lvl6pPr>
-            <a:lvl7pPr marL="1440180" indent="0">
-              <a:buNone/>
-              <a:defRPr sz="840" b="1"/>
+            <a:lvl7pPr marL="1080272" indent="0">
+              <a:buNone/>
+              <a:defRPr sz="630" b="1"/>
             </a:lvl7pPr>
-            <a:lvl8pPr marL="1680210" indent="0">
-              <a:buNone/>
-              <a:defRPr sz="840" b="1"/>
+            <a:lvl8pPr marL="1260318" indent="0">
+              <a:buNone/>
+              <a:defRPr sz="630" b="1"/>
             </a:lvl8pPr>
-            <a:lvl9pPr marL="1920240" indent="0">
-              <a:buNone/>
-              <a:defRPr sz="840" b="1"/>
+            <a:lvl9pPr marL="1440363" indent="0">
+              <a:buNone/>
+              <a:defRPr sz="630" b="1"/>
             </a:lvl9pPr>
           </a:lstStyle>
           <a:p>
@@ -1419,8 +1423,8 @@
         </p:nvSpPr>
         <p:spPr>
           <a:xfrm>
-            <a:off x="495891" y="1315164"/>
-            <a:ext cx="3045647" cy="1934409"/>
+            <a:off x="248000" y="1315164"/>
+            <a:ext cx="1523159" cy="1934409"/>
           </a:xfrm>
         </p:spPr>
         <p:txBody>
@@ -1476,8 +1480,8 @@
         </p:nvSpPr>
         <p:spPr>
           <a:xfrm>
-            <a:off x="3644652" y="882610"/>
-            <a:ext cx="3060646" cy="432554"/>
+            <a:off x="1822728" y="882610"/>
+            <a:ext cx="1530660" cy="432554"/>
           </a:xfrm>
         </p:spPr>
         <p:txBody>
@@ -1485,39 +1489,39 @@
           <a:lstStyle>
             <a:lvl1pPr marL="0" indent="0">
               <a:buNone/>
-              <a:defRPr sz="1260" b="1"/>
+              <a:defRPr sz="945" b="1"/>
             </a:lvl1pPr>
-            <a:lvl2pPr marL="240030" indent="0">
-              <a:buNone/>
-              <a:defRPr sz="1050" b="1"/>
+            <a:lvl2pPr marL="180045" indent="0">
+              <a:buNone/>
+              <a:defRPr sz="788" b="1"/>
             </a:lvl2pPr>
-            <a:lvl3pPr marL="480060" indent="0">
-              <a:buNone/>
-              <a:defRPr sz="945" b="1"/>
+            <a:lvl3pPr marL="360091" indent="0">
+              <a:buNone/>
+              <a:defRPr sz="709" b="1"/>
             </a:lvl3pPr>
-            <a:lvl4pPr marL="720090" indent="0">
-              <a:buNone/>
-              <a:defRPr sz="840" b="1"/>
+            <a:lvl4pPr marL="540136" indent="0">
+              <a:buNone/>
+              <a:defRPr sz="630" b="1"/>
             </a:lvl4pPr>
-            <a:lvl5pPr marL="960120" indent="0">
-              <a:buNone/>
-              <a:defRPr sz="840" b="1"/>
+            <a:lvl5pPr marL="720181" indent="0">
+              <a:buNone/>
+              <a:defRPr sz="630" b="1"/>
             </a:lvl5pPr>
-            <a:lvl6pPr marL="1200150" indent="0">
-              <a:buNone/>
-              <a:defRPr sz="840" b="1"/>
+            <a:lvl6pPr marL="900227" indent="0">
+              <a:buNone/>
+              <a:defRPr sz="630" b="1"/>
             </a:lvl6pPr>
-            <a:lvl7pPr marL="1440180" indent="0">
-              <a:buNone/>
-              <a:defRPr sz="840" b="1"/>
+            <a:lvl7pPr marL="1080272" indent="0">
+              <a:buNone/>
+              <a:defRPr sz="630" b="1"/>
             </a:lvl7pPr>
-            <a:lvl8pPr marL="1680210" indent="0">
-              <a:buNone/>
-              <a:defRPr sz="840" b="1"/>
+            <a:lvl8pPr marL="1260318" indent="0">
+              <a:buNone/>
+              <a:defRPr sz="630" b="1"/>
             </a:lvl8pPr>
-            <a:lvl9pPr marL="1920240" indent="0">
-              <a:buNone/>
-              <a:defRPr sz="840" b="1"/>
+            <a:lvl9pPr marL="1440363" indent="0">
+              <a:buNone/>
+              <a:defRPr sz="630" b="1"/>
             </a:lvl9pPr>
           </a:lstStyle>
           <a:p>
@@ -1541,8 +1545,8 @@
         </p:nvSpPr>
         <p:spPr>
           <a:xfrm>
-            <a:off x="3644652" y="1315164"/>
-            <a:ext cx="3060646" cy="1934409"/>
+            <a:off x="1822728" y="1315164"/>
+            <a:ext cx="1530660" cy="1934409"/>
           </a:xfrm>
         </p:spPr>
         <p:txBody>
@@ -1654,7 +1658,7 @@
     </p:spTree>
     <p:extLst>
       <p:ext uri="{BB962C8B-B14F-4D97-AF65-F5344CB8AC3E}">
-        <p14:creationId xmlns:p14="http://schemas.microsoft.com/office/powerpoint/2010/main" val="3990344943"/>
+        <p14:creationId xmlns:p14="http://schemas.microsoft.com/office/powerpoint/2010/main" val="1269907195"/>
       </p:ext>
     </p:extLst>
   </p:cSld>
@@ -1772,7 +1776,7 @@
     </p:spTree>
     <p:extLst>
       <p:ext uri="{BB962C8B-B14F-4D97-AF65-F5344CB8AC3E}">
-        <p14:creationId xmlns:p14="http://schemas.microsoft.com/office/powerpoint/2010/main" val="503485897"/>
+        <p14:creationId xmlns:p14="http://schemas.microsoft.com/office/powerpoint/2010/main" val="1885741087"/>
       </p:ext>
     </p:extLst>
   </p:cSld>
@@ -1867,7 +1871,7 @@
     </p:spTree>
     <p:extLst>
       <p:ext uri="{BB962C8B-B14F-4D97-AF65-F5344CB8AC3E}">
-        <p14:creationId xmlns:p14="http://schemas.microsoft.com/office/powerpoint/2010/main" val="3744139938"/>
+        <p14:creationId xmlns:p14="http://schemas.microsoft.com/office/powerpoint/2010/main" val="3074018767"/>
       </p:ext>
     </p:extLst>
   </p:cSld>
@@ -1906,15 +1910,15 @@
         </p:nvSpPr>
         <p:spPr>
           <a:xfrm>
-            <a:off x="495891" y="240030"/>
-            <a:ext cx="2321966" cy="840105"/>
+            <a:off x="248000" y="240030"/>
+            <a:ext cx="1161239" cy="840105"/>
           </a:xfrm>
         </p:spPr>
         <p:txBody>
           <a:bodyPr anchor="b"/>
           <a:lstStyle>
             <a:lvl1pPr>
-              <a:defRPr sz="1680"/>
+              <a:defRPr sz="1260"/>
             </a:lvl1pPr>
           </a:lstStyle>
           <a:p>
@@ -1938,39 +1942,39 @@
         </p:nvSpPr>
         <p:spPr>
           <a:xfrm>
-            <a:off x="3060646" y="518398"/>
-            <a:ext cx="3644652" cy="2558653"/>
+            <a:off x="1530660" y="518399"/>
+            <a:ext cx="1822728" cy="2558653"/>
           </a:xfrm>
         </p:spPr>
         <p:txBody>
           <a:bodyPr/>
           <a:lstStyle>
             <a:lvl1pPr>
-              <a:defRPr sz="1680"/>
+              <a:defRPr sz="1260"/>
             </a:lvl1pPr>
             <a:lvl2pPr>
-              <a:defRPr sz="1470"/>
+              <a:defRPr sz="1103"/>
             </a:lvl2pPr>
             <a:lvl3pPr>
-              <a:defRPr sz="1260"/>
+              <a:defRPr sz="945"/>
             </a:lvl3pPr>
             <a:lvl4pPr>
-              <a:defRPr sz="1050"/>
+              <a:defRPr sz="788"/>
             </a:lvl4pPr>
             <a:lvl5pPr>
-              <a:defRPr sz="1050"/>
+              <a:defRPr sz="788"/>
             </a:lvl5pPr>
             <a:lvl6pPr>
-              <a:defRPr sz="1050"/>
+              <a:defRPr sz="788"/>
             </a:lvl6pPr>
             <a:lvl7pPr>
-              <a:defRPr sz="1050"/>
+              <a:defRPr sz="788"/>
             </a:lvl7pPr>
             <a:lvl8pPr>
-              <a:defRPr sz="1050"/>
+              <a:defRPr sz="788"/>
             </a:lvl8pPr>
             <a:lvl9pPr>
-              <a:defRPr sz="1050"/>
+              <a:defRPr sz="788"/>
             </a:lvl9pPr>
           </a:lstStyle>
           <a:p>
@@ -2023,8 +2027,8 @@
         </p:nvSpPr>
         <p:spPr>
           <a:xfrm>
-            <a:off x="495891" y="1080135"/>
-            <a:ext cx="2321966" cy="2001084"/>
+            <a:off x="248000" y="1080135"/>
+            <a:ext cx="1161239" cy="2001084"/>
           </a:xfrm>
         </p:spPr>
         <p:txBody>
@@ -2032,39 +2036,39 @@
           <a:lstStyle>
             <a:lvl1pPr marL="0" indent="0">
               <a:buNone/>
-              <a:defRPr sz="840"/>
+              <a:defRPr sz="630"/>
             </a:lvl1pPr>
-            <a:lvl2pPr marL="240030" indent="0">
-              <a:buNone/>
-              <a:defRPr sz="735"/>
+            <a:lvl2pPr marL="180045" indent="0">
+              <a:buNone/>
+              <a:defRPr sz="551"/>
             </a:lvl2pPr>
-            <a:lvl3pPr marL="480060" indent="0">
-              <a:buNone/>
-              <a:defRPr sz="630"/>
+            <a:lvl3pPr marL="360091" indent="0">
+              <a:buNone/>
+              <a:defRPr sz="473"/>
             </a:lvl3pPr>
-            <a:lvl4pPr marL="720090" indent="0">
-              <a:buNone/>
-              <a:defRPr sz="525"/>
+            <a:lvl4pPr marL="540136" indent="0">
+              <a:buNone/>
+              <a:defRPr sz="394"/>
             </a:lvl4pPr>
-            <a:lvl5pPr marL="960120" indent="0">
-              <a:buNone/>
-              <a:defRPr sz="525"/>
+            <a:lvl5pPr marL="720181" indent="0">
+              <a:buNone/>
+              <a:defRPr sz="394"/>
             </a:lvl5pPr>
-            <a:lvl6pPr marL="1200150" indent="0">
-              <a:buNone/>
-              <a:defRPr sz="525"/>
+            <a:lvl6pPr marL="900227" indent="0">
+              <a:buNone/>
+              <a:defRPr sz="394"/>
             </a:lvl6pPr>
-            <a:lvl7pPr marL="1440180" indent="0">
-              <a:buNone/>
-              <a:defRPr sz="525"/>
+            <a:lvl7pPr marL="1080272" indent="0">
+              <a:buNone/>
+              <a:defRPr sz="394"/>
             </a:lvl7pPr>
-            <a:lvl8pPr marL="1680210" indent="0">
-              <a:buNone/>
-              <a:defRPr sz="525"/>
+            <a:lvl8pPr marL="1260318" indent="0">
+              <a:buNone/>
+              <a:defRPr sz="394"/>
             </a:lvl8pPr>
-            <a:lvl9pPr marL="1920240" indent="0">
-              <a:buNone/>
-              <a:defRPr sz="525"/>
+            <a:lvl9pPr marL="1440363" indent="0">
+              <a:buNone/>
+              <a:defRPr sz="394"/>
             </a:lvl9pPr>
           </a:lstStyle>
           <a:p>
@@ -2144,7 +2148,7 @@
     </p:spTree>
     <p:extLst>
       <p:ext uri="{BB962C8B-B14F-4D97-AF65-F5344CB8AC3E}">
-        <p14:creationId xmlns:p14="http://schemas.microsoft.com/office/powerpoint/2010/main" val="1214118762"/>
+        <p14:creationId xmlns:p14="http://schemas.microsoft.com/office/powerpoint/2010/main" val="4269355677"/>
       </p:ext>
     </p:extLst>
   </p:cSld>
@@ -2183,15 +2187,15 @@
         </p:nvSpPr>
         <p:spPr>
           <a:xfrm>
-            <a:off x="495891" y="240030"/>
-            <a:ext cx="2321966" cy="840105"/>
+            <a:off x="248000" y="240030"/>
+            <a:ext cx="1161239" cy="840105"/>
           </a:xfrm>
         </p:spPr>
         <p:txBody>
           <a:bodyPr anchor="b"/>
           <a:lstStyle>
             <a:lvl1pPr>
-              <a:defRPr sz="1680"/>
+              <a:defRPr sz="1260"/>
             </a:lvl1pPr>
           </a:lstStyle>
           <a:p>
@@ -2215,8 +2219,8 @@
         </p:nvSpPr>
         <p:spPr>
           <a:xfrm>
-            <a:off x="3060646" y="518398"/>
-            <a:ext cx="3644652" cy="2558653"/>
+            <a:off x="1530660" y="518399"/>
+            <a:ext cx="1822728" cy="2558653"/>
           </a:xfrm>
         </p:spPr>
         <p:txBody>
@@ -2224,39 +2228,39 @@
           <a:lstStyle>
             <a:lvl1pPr marL="0" indent="0">
               <a:buNone/>
-              <a:defRPr sz="1680"/>
+              <a:defRPr sz="1260"/>
             </a:lvl1pPr>
-            <a:lvl2pPr marL="240030" indent="0">
-              <a:buNone/>
-              <a:defRPr sz="1470"/>
+            <a:lvl2pPr marL="180045" indent="0">
+              <a:buNone/>
+              <a:defRPr sz="1103"/>
             </a:lvl2pPr>
-            <a:lvl3pPr marL="480060" indent="0">
-              <a:buNone/>
-              <a:defRPr sz="1260"/>
+            <a:lvl3pPr marL="360091" indent="0">
+              <a:buNone/>
+              <a:defRPr sz="945"/>
             </a:lvl3pPr>
-            <a:lvl4pPr marL="720090" indent="0">
-              <a:buNone/>
-              <a:defRPr sz="1050"/>
+            <a:lvl4pPr marL="540136" indent="0">
+              <a:buNone/>
+              <a:defRPr sz="788"/>
             </a:lvl4pPr>
-            <a:lvl5pPr marL="960120" indent="0">
-              <a:buNone/>
-              <a:defRPr sz="1050"/>
+            <a:lvl5pPr marL="720181" indent="0">
+              <a:buNone/>
+              <a:defRPr sz="788"/>
             </a:lvl5pPr>
-            <a:lvl6pPr marL="1200150" indent="0">
-              <a:buNone/>
-              <a:defRPr sz="1050"/>
+            <a:lvl6pPr marL="900227" indent="0">
+              <a:buNone/>
+              <a:defRPr sz="788"/>
             </a:lvl6pPr>
-            <a:lvl7pPr marL="1440180" indent="0">
-              <a:buNone/>
-              <a:defRPr sz="1050"/>
+            <a:lvl7pPr marL="1080272" indent="0">
+              <a:buNone/>
+              <a:defRPr sz="788"/>
             </a:lvl7pPr>
-            <a:lvl8pPr marL="1680210" indent="0">
-              <a:buNone/>
-              <a:defRPr sz="1050"/>
+            <a:lvl8pPr marL="1260318" indent="0">
+              <a:buNone/>
+              <a:defRPr sz="788"/>
             </a:lvl8pPr>
-            <a:lvl9pPr marL="1920240" indent="0">
-              <a:buNone/>
-              <a:defRPr sz="1050"/>
+            <a:lvl9pPr marL="1440363" indent="0">
+              <a:buNone/>
+              <a:defRPr sz="788"/>
             </a:lvl9pPr>
           </a:lstStyle>
           <a:p>
@@ -2280,8 +2284,8 @@
         </p:nvSpPr>
         <p:spPr>
           <a:xfrm>
-            <a:off x="495891" y="1080135"/>
-            <a:ext cx="2321966" cy="2001084"/>
+            <a:off x="248000" y="1080135"/>
+            <a:ext cx="1161239" cy="2001084"/>
           </a:xfrm>
         </p:spPr>
         <p:txBody>
@@ -2289,39 +2293,39 @@
           <a:lstStyle>
             <a:lvl1pPr marL="0" indent="0">
               <a:buNone/>
-              <a:defRPr sz="840"/>
+              <a:defRPr sz="630"/>
             </a:lvl1pPr>
-            <a:lvl2pPr marL="240030" indent="0">
-              <a:buNone/>
-              <a:defRPr sz="735"/>
+            <a:lvl2pPr marL="180045" indent="0">
+              <a:buNone/>
+              <a:defRPr sz="551"/>
             </a:lvl2pPr>
-            <a:lvl3pPr marL="480060" indent="0">
-              <a:buNone/>
-              <a:defRPr sz="630"/>
+            <a:lvl3pPr marL="360091" indent="0">
+              <a:buNone/>
+              <a:defRPr sz="473"/>
             </a:lvl3pPr>
-            <a:lvl4pPr marL="720090" indent="0">
-              <a:buNone/>
-              <a:defRPr sz="525"/>
+            <a:lvl4pPr marL="540136" indent="0">
+              <a:buNone/>
+              <a:defRPr sz="394"/>
             </a:lvl4pPr>
-            <a:lvl5pPr marL="960120" indent="0">
-              <a:buNone/>
-              <a:defRPr sz="525"/>
+            <a:lvl5pPr marL="720181" indent="0">
+              <a:buNone/>
+              <a:defRPr sz="394"/>
             </a:lvl5pPr>
-            <a:lvl6pPr marL="1200150" indent="0">
-              <a:buNone/>
-              <a:defRPr sz="525"/>
+            <a:lvl6pPr marL="900227" indent="0">
+              <a:buNone/>
+              <a:defRPr sz="394"/>
             </a:lvl6pPr>
-            <a:lvl7pPr marL="1440180" indent="0">
-              <a:buNone/>
-              <a:defRPr sz="525"/>
+            <a:lvl7pPr marL="1080272" indent="0">
+              <a:buNone/>
+              <a:defRPr sz="394"/>
             </a:lvl7pPr>
-            <a:lvl8pPr marL="1680210" indent="0">
-              <a:buNone/>
-              <a:defRPr sz="525"/>
+            <a:lvl8pPr marL="1260318" indent="0">
+              <a:buNone/>
+              <a:defRPr sz="394"/>
             </a:lvl8pPr>
-            <a:lvl9pPr marL="1920240" indent="0">
-              <a:buNone/>
-              <a:defRPr sz="525"/>
+            <a:lvl9pPr marL="1440363" indent="0">
+              <a:buNone/>
+              <a:defRPr sz="394"/>
             </a:lvl9pPr>
           </a:lstStyle>
           <a:p>
@@ -2401,7 +2405,7 @@
     </p:spTree>
     <p:extLst>
       <p:ext uri="{BB962C8B-B14F-4D97-AF65-F5344CB8AC3E}">
-        <p14:creationId xmlns:p14="http://schemas.microsoft.com/office/powerpoint/2010/main" val="3321901296"/>
+        <p14:creationId xmlns:p14="http://schemas.microsoft.com/office/powerpoint/2010/main" val="1821765697"/>
       </p:ext>
     </p:extLst>
   </p:cSld>
@@ -2445,8 +2449,8 @@
         </p:nvSpPr>
         <p:spPr>
           <a:xfrm>
-            <a:off x="494953" y="191691"/>
-            <a:ext cx="6209407" cy="695921"/>
+            <a:off x="247531" y="191691"/>
+            <a:ext cx="3105388" cy="695921"/>
           </a:xfrm>
           <a:prstGeom prst="rect">
             <a:avLst/>
@@ -2478,8 +2482,8 @@
         </p:nvSpPr>
         <p:spPr>
           <a:xfrm>
-            <a:off x="494953" y="958453"/>
-            <a:ext cx="6209407" cy="2284452"/>
+            <a:off x="247531" y="958453"/>
+            <a:ext cx="3105388" cy="2284452"/>
           </a:xfrm>
           <a:prstGeom prst="rect">
             <a:avLst/>
@@ -2540,8 +2544,8 @@
         </p:nvSpPr>
         <p:spPr>
           <a:xfrm>
-            <a:off x="494953" y="3337084"/>
-            <a:ext cx="1619845" cy="191691"/>
+            <a:off x="247531" y="3337084"/>
+            <a:ext cx="810101" cy="191691"/>
           </a:xfrm>
           <a:prstGeom prst="rect">
             <a:avLst/>
@@ -2551,7 +2555,7 @@
           <a:bodyPr vert="horz" lIns="91440" tIns="45720" rIns="91440" bIns="45720" rtlCol="0" anchor="ctr"/>
           <a:lstStyle>
             <a:lvl1pPr algn="l">
-              <a:defRPr sz="630">
+              <a:defRPr sz="473">
                 <a:solidFill>
                   <a:schemeClr val="tx1">
                     <a:tint val="75000"/>
@@ -2581,8 +2585,8 @@
         </p:nvSpPr>
         <p:spPr>
           <a:xfrm>
-            <a:off x="2384773" y="3337084"/>
-            <a:ext cx="2429768" cy="191691"/>
+            <a:off x="1192649" y="3337084"/>
+            <a:ext cx="1215152" cy="191691"/>
           </a:xfrm>
           <a:prstGeom prst="rect">
             <a:avLst/>
@@ -2592,7 +2596,7 @@
           <a:bodyPr vert="horz" lIns="91440" tIns="45720" rIns="91440" bIns="45720" rtlCol="0" anchor="ctr"/>
           <a:lstStyle>
             <a:lvl1pPr algn="ctr">
-              <a:defRPr sz="630">
+              <a:defRPr sz="473">
                 <a:solidFill>
                   <a:schemeClr val="tx1">
                     <a:tint val="75000"/>
@@ -2618,8 +2622,8 @@
         </p:nvSpPr>
         <p:spPr>
           <a:xfrm>
-            <a:off x="5084515" y="3337084"/>
-            <a:ext cx="1619845" cy="191691"/>
+            <a:off x="2542818" y="3337084"/>
+            <a:ext cx="810101" cy="191691"/>
           </a:xfrm>
           <a:prstGeom prst="rect">
             <a:avLst/>
@@ -2629,7 +2633,7 @@
           <a:bodyPr vert="horz" lIns="91440" tIns="45720" rIns="91440" bIns="45720" rtlCol="0" anchor="ctr"/>
           <a:lstStyle>
             <a:lvl1pPr algn="r">
-              <a:defRPr sz="630">
+              <a:defRPr sz="473">
                 <a:solidFill>
                   <a:schemeClr val="tx1">
                     <a:tint val="75000"/>
@@ -2650,27 +2654,27 @@
     </p:spTree>
     <p:extLst>
       <p:ext uri="{BB962C8B-B14F-4D97-AF65-F5344CB8AC3E}">
-        <p14:creationId xmlns:p14="http://schemas.microsoft.com/office/powerpoint/2010/main" val="939226812"/>
+        <p14:creationId xmlns:p14="http://schemas.microsoft.com/office/powerpoint/2010/main" val="3772311947"/>
       </p:ext>
     </p:extLst>
   </p:cSld>
   <p:clrMap bg1="lt1" tx1="dk1" bg2="lt2" tx2="dk2" accent1="accent1" accent2="accent2" accent3="accent3" accent4="accent4" accent5="accent5" accent6="accent6" hlink="hlink" folHlink="folHlink"/>
   <p:sldLayoutIdLst>
-    <p:sldLayoutId id="2147483673" r:id="rId1"/>
-    <p:sldLayoutId id="2147483674" r:id="rId2"/>
-    <p:sldLayoutId id="2147483675" r:id="rId3"/>
-    <p:sldLayoutId id="2147483676" r:id="rId4"/>
-    <p:sldLayoutId id="2147483677" r:id="rId5"/>
-    <p:sldLayoutId id="2147483678" r:id="rId6"/>
-    <p:sldLayoutId id="2147483679" r:id="rId7"/>
-    <p:sldLayoutId id="2147483680" r:id="rId8"/>
-    <p:sldLayoutId id="2147483681" r:id="rId9"/>
-    <p:sldLayoutId id="2147483682" r:id="rId10"/>
-    <p:sldLayoutId id="2147483683" r:id="rId11"/>
+    <p:sldLayoutId id="2147483685" r:id="rId1"/>
+    <p:sldLayoutId id="2147483686" r:id="rId2"/>
+    <p:sldLayoutId id="2147483687" r:id="rId3"/>
+    <p:sldLayoutId id="2147483688" r:id="rId4"/>
+    <p:sldLayoutId id="2147483689" r:id="rId5"/>
+    <p:sldLayoutId id="2147483690" r:id="rId6"/>
+    <p:sldLayoutId id="2147483691" r:id="rId7"/>
+    <p:sldLayoutId id="2147483692" r:id="rId8"/>
+    <p:sldLayoutId id="2147483693" r:id="rId9"/>
+    <p:sldLayoutId id="2147483694" r:id="rId10"/>
+    <p:sldLayoutId id="2147483695" r:id="rId11"/>
   </p:sldLayoutIdLst>
   <p:txStyles>
     <p:titleStyle>
-      <a:lvl1pPr algn="l" defTabSz="480060" rtl="0" eaLnBrk="1" latinLnBrk="0" hangingPunct="1">
+      <a:lvl1pPr algn="l" defTabSz="360091" rtl="0" eaLnBrk="1" latinLnBrk="0" hangingPunct="1">
         <a:lnSpc>
           <a:spcPct val="90000"/>
         </a:lnSpc>
@@ -2678,7 +2682,7 @@
           <a:spcPct val="0"/>
         </a:spcBef>
         <a:buNone/>
-        <a:defRPr sz="2310" kern="1200">
+        <a:defRPr sz="1733" kern="1200">
           <a:solidFill>
             <a:schemeClr val="tx1"/>
           </a:solidFill>
@@ -2689,16 +2693,16 @@
       </a:lvl1pPr>
     </p:titleStyle>
     <p:bodyStyle>
-      <a:lvl1pPr marL="120015" indent="-120015" algn="l" defTabSz="480060" rtl="0" eaLnBrk="1" latinLnBrk="0" hangingPunct="1">
+      <a:lvl1pPr marL="90023" indent="-90023" algn="l" defTabSz="360091" rtl="0" eaLnBrk="1" latinLnBrk="0" hangingPunct="1">
         <a:lnSpc>
           <a:spcPct val="90000"/>
         </a:lnSpc>
         <a:spcBef>
-          <a:spcPts val="525"/>
+          <a:spcPts val="394"/>
         </a:spcBef>
         <a:buFont typeface="Arial" panose="020B0604020202020204" pitchFamily="34" charset="0"/>
         <a:buChar char="•"/>
-        <a:defRPr sz="1470" kern="1200">
+        <a:defRPr sz="1103" kern="1200">
           <a:solidFill>
             <a:schemeClr val="tx1"/>
           </a:solidFill>
@@ -2707,48 +2711,12 @@
           <a:cs typeface="+mn-cs"/>
         </a:defRPr>
       </a:lvl1pPr>
-      <a:lvl2pPr marL="360045" indent="-120015" algn="l" defTabSz="480060" rtl="0" eaLnBrk="1" latinLnBrk="0" hangingPunct="1">
+      <a:lvl2pPr marL="270068" indent="-90023" algn="l" defTabSz="360091" rtl="0" eaLnBrk="1" latinLnBrk="0" hangingPunct="1">
         <a:lnSpc>
           <a:spcPct val="90000"/>
         </a:lnSpc>
         <a:spcBef>
-          <a:spcPts val="263"/>
-        </a:spcBef>
-        <a:buFont typeface="Arial" panose="020B0604020202020204" pitchFamily="34" charset="0"/>
-        <a:buChar char="•"/>
-        <a:defRPr sz="1260" kern="1200">
-          <a:solidFill>
-            <a:schemeClr val="tx1"/>
-          </a:solidFill>
-          <a:latin typeface="+mn-lt"/>
-          <a:ea typeface="+mn-ea"/>
-          <a:cs typeface="+mn-cs"/>
-        </a:defRPr>
-      </a:lvl2pPr>
-      <a:lvl3pPr marL="600075" indent="-120015" algn="l" defTabSz="480060" rtl="0" eaLnBrk="1" latinLnBrk="0" hangingPunct="1">
-        <a:lnSpc>
-          <a:spcPct val="90000"/>
-        </a:lnSpc>
-        <a:spcBef>
-          <a:spcPts val="263"/>
-        </a:spcBef>
-        <a:buFont typeface="Arial" panose="020B0604020202020204" pitchFamily="34" charset="0"/>
-        <a:buChar char="•"/>
-        <a:defRPr sz="1050" kern="1200">
-          <a:solidFill>
-            <a:schemeClr val="tx1"/>
-          </a:solidFill>
-          <a:latin typeface="+mn-lt"/>
-          <a:ea typeface="+mn-ea"/>
-          <a:cs typeface="+mn-cs"/>
-        </a:defRPr>
-      </a:lvl3pPr>
-      <a:lvl4pPr marL="840105" indent="-120015" algn="l" defTabSz="480060" rtl="0" eaLnBrk="1" latinLnBrk="0" hangingPunct="1">
-        <a:lnSpc>
-          <a:spcPct val="90000"/>
-        </a:lnSpc>
-        <a:spcBef>
-          <a:spcPts val="263"/>
+          <a:spcPts val="197"/>
         </a:spcBef>
         <a:buFont typeface="Arial" panose="020B0604020202020204" pitchFamily="34" charset="0"/>
         <a:buChar char="•"/>
@@ -2760,17 +2728,53 @@
           <a:ea typeface="+mn-ea"/>
           <a:cs typeface="+mn-cs"/>
         </a:defRPr>
-      </a:lvl4pPr>
-      <a:lvl5pPr marL="1080135" indent="-120015" algn="l" defTabSz="480060" rtl="0" eaLnBrk="1" latinLnBrk="0" hangingPunct="1">
+      </a:lvl2pPr>
+      <a:lvl3pPr marL="450113" indent="-90023" algn="l" defTabSz="360091" rtl="0" eaLnBrk="1" latinLnBrk="0" hangingPunct="1">
         <a:lnSpc>
           <a:spcPct val="90000"/>
         </a:lnSpc>
         <a:spcBef>
-          <a:spcPts val="263"/>
+          <a:spcPts val="197"/>
         </a:spcBef>
         <a:buFont typeface="Arial" panose="020B0604020202020204" pitchFamily="34" charset="0"/>
         <a:buChar char="•"/>
-        <a:defRPr sz="945" kern="1200">
+        <a:defRPr sz="788" kern="1200">
+          <a:solidFill>
+            <a:schemeClr val="tx1"/>
+          </a:solidFill>
+          <a:latin typeface="+mn-lt"/>
+          <a:ea typeface="+mn-ea"/>
+          <a:cs typeface="+mn-cs"/>
+        </a:defRPr>
+      </a:lvl3pPr>
+      <a:lvl4pPr marL="630159" indent="-90023" algn="l" defTabSz="360091" rtl="0" eaLnBrk="1" latinLnBrk="0" hangingPunct="1">
+        <a:lnSpc>
+          <a:spcPct val="90000"/>
+        </a:lnSpc>
+        <a:spcBef>
+          <a:spcPts val="197"/>
+        </a:spcBef>
+        <a:buFont typeface="Arial" panose="020B0604020202020204" pitchFamily="34" charset="0"/>
+        <a:buChar char="•"/>
+        <a:defRPr sz="709" kern="1200">
+          <a:solidFill>
+            <a:schemeClr val="tx1"/>
+          </a:solidFill>
+          <a:latin typeface="+mn-lt"/>
+          <a:ea typeface="+mn-ea"/>
+          <a:cs typeface="+mn-cs"/>
+        </a:defRPr>
+      </a:lvl4pPr>
+      <a:lvl5pPr marL="810204" indent="-90023" algn="l" defTabSz="360091" rtl="0" eaLnBrk="1" latinLnBrk="0" hangingPunct="1">
+        <a:lnSpc>
+          <a:spcPct val="90000"/>
+        </a:lnSpc>
+        <a:spcBef>
+          <a:spcPts val="197"/>
+        </a:spcBef>
+        <a:buFont typeface="Arial" panose="020B0604020202020204" pitchFamily="34" charset="0"/>
+        <a:buChar char="•"/>
+        <a:defRPr sz="709" kern="1200">
           <a:solidFill>
             <a:schemeClr val="tx1"/>
           </a:solidFill>
@@ -2779,16 +2783,16 @@
           <a:cs typeface="+mn-cs"/>
         </a:defRPr>
       </a:lvl5pPr>
-      <a:lvl6pPr marL="1320165" indent="-120015" algn="l" defTabSz="480060" rtl="0" eaLnBrk="1" latinLnBrk="0" hangingPunct="1">
+      <a:lvl6pPr marL="990249" indent="-90023" algn="l" defTabSz="360091" rtl="0" eaLnBrk="1" latinLnBrk="0" hangingPunct="1">
         <a:lnSpc>
           <a:spcPct val="90000"/>
         </a:lnSpc>
         <a:spcBef>
-          <a:spcPts val="263"/>
+          <a:spcPts val="197"/>
         </a:spcBef>
         <a:buFont typeface="Arial" panose="020B0604020202020204" pitchFamily="34" charset="0"/>
         <a:buChar char="•"/>
-        <a:defRPr sz="945" kern="1200">
+        <a:defRPr sz="709" kern="1200">
           <a:solidFill>
             <a:schemeClr val="tx1"/>
           </a:solidFill>
@@ -2797,16 +2801,16 @@
           <a:cs typeface="+mn-cs"/>
         </a:defRPr>
       </a:lvl6pPr>
-      <a:lvl7pPr marL="1560195" indent="-120015" algn="l" defTabSz="480060" rtl="0" eaLnBrk="1" latinLnBrk="0" hangingPunct="1">
+      <a:lvl7pPr marL="1170295" indent="-90023" algn="l" defTabSz="360091" rtl="0" eaLnBrk="1" latinLnBrk="0" hangingPunct="1">
         <a:lnSpc>
           <a:spcPct val="90000"/>
         </a:lnSpc>
         <a:spcBef>
-          <a:spcPts val="263"/>
+          <a:spcPts val="197"/>
         </a:spcBef>
         <a:buFont typeface="Arial" panose="020B0604020202020204" pitchFamily="34" charset="0"/>
         <a:buChar char="•"/>
-        <a:defRPr sz="945" kern="1200">
+        <a:defRPr sz="709" kern="1200">
           <a:solidFill>
             <a:schemeClr val="tx1"/>
           </a:solidFill>
@@ -2815,16 +2819,16 @@
           <a:cs typeface="+mn-cs"/>
         </a:defRPr>
       </a:lvl7pPr>
-      <a:lvl8pPr marL="1800225" indent="-120015" algn="l" defTabSz="480060" rtl="0" eaLnBrk="1" latinLnBrk="0" hangingPunct="1">
+      <a:lvl8pPr marL="1350340" indent="-90023" algn="l" defTabSz="360091" rtl="0" eaLnBrk="1" latinLnBrk="0" hangingPunct="1">
         <a:lnSpc>
           <a:spcPct val="90000"/>
         </a:lnSpc>
         <a:spcBef>
-          <a:spcPts val="263"/>
+          <a:spcPts val="197"/>
         </a:spcBef>
         <a:buFont typeface="Arial" panose="020B0604020202020204" pitchFamily="34" charset="0"/>
         <a:buChar char="•"/>
-        <a:defRPr sz="945" kern="1200">
+        <a:defRPr sz="709" kern="1200">
           <a:solidFill>
             <a:schemeClr val="tx1"/>
           </a:solidFill>
@@ -2833,16 +2837,16 @@
           <a:cs typeface="+mn-cs"/>
         </a:defRPr>
       </a:lvl8pPr>
-      <a:lvl9pPr marL="2040255" indent="-120015" algn="l" defTabSz="480060" rtl="0" eaLnBrk="1" latinLnBrk="0" hangingPunct="1">
+      <a:lvl9pPr marL="1530386" indent="-90023" algn="l" defTabSz="360091" rtl="0" eaLnBrk="1" latinLnBrk="0" hangingPunct="1">
         <a:lnSpc>
           <a:spcPct val="90000"/>
         </a:lnSpc>
         <a:spcBef>
-          <a:spcPts val="263"/>
+          <a:spcPts val="197"/>
         </a:spcBef>
         <a:buFont typeface="Arial" panose="020B0604020202020204" pitchFamily="34" charset="0"/>
         <a:buChar char="•"/>
-        <a:defRPr sz="945" kern="1200">
+        <a:defRPr sz="709" kern="1200">
           <a:solidFill>
             <a:schemeClr val="tx1"/>
           </a:solidFill>
@@ -2856,8 +2860,8 @@
       <a:defPPr>
         <a:defRPr lang="en-US"/>
       </a:defPPr>
-      <a:lvl1pPr marL="0" algn="l" defTabSz="480060" rtl="0" eaLnBrk="1" latinLnBrk="0" hangingPunct="1">
-        <a:defRPr sz="945" kern="1200">
+      <a:lvl1pPr marL="0" algn="l" defTabSz="360091" rtl="0" eaLnBrk="1" latinLnBrk="0" hangingPunct="1">
+        <a:defRPr sz="709" kern="1200">
           <a:solidFill>
             <a:schemeClr val="tx1"/>
           </a:solidFill>
@@ -2866,8 +2870,8 @@
           <a:cs typeface="+mn-cs"/>
         </a:defRPr>
       </a:lvl1pPr>
-      <a:lvl2pPr marL="240030" algn="l" defTabSz="480060" rtl="0" eaLnBrk="1" latinLnBrk="0" hangingPunct="1">
-        <a:defRPr sz="945" kern="1200">
+      <a:lvl2pPr marL="180045" algn="l" defTabSz="360091" rtl="0" eaLnBrk="1" latinLnBrk="0" hangingPunct="1">
+        <a:defRPr sz="709" kern="1200">
           <a:solidFill>
             <a:schemeClr val="tx1"/>
           </a:solidFill>
@@ -2876,8 +2880,8 @@
           <a:cs typeface="+mn-cs"/>
         </a:defRPr>
       </a:lvl2pPr>
-      <a:lvl3pPr marL="480060" algn="l" defTabSz="480060" rtl="0" eaLnBrk="1" latinLnBrk="0" hangingPunct="1">
-        <a:defRPr sz="945" kern="1200">
+      <a:lvl3pPr marL="360091" algn="l" defTabSz="360091" rtl="0" eaLnBrk="1" latinLnBrk="0" hangingPunct="1">
+        <a:defRPr sz="709" kern="1200">
           <a:solidFill>
             <a:schemeClr val="tx1"/>
           </a:solidFill>
@@ -2886,8 +2890,8 @@
           <a:cs typeface="+mn-cs"/>
         </a:defRPr>
       </a:lvl3pPr>
-      <a:lvl4pPr marL="720090" algn="l" defTabSz="480060" rtl="0" eaLnBrk="1" latinLnBrk="0" hangingPunct="1">
-        <a:defRPr sz="945" kern="1200">
+      <a:lvl4pPr marL="540136" algn="l" defTabSz="360091" rtl="0" eaLnBrk="1" latinLnBrk="0" hangingPunct="1">
+        <a:defRPr sz="709" kern="1200">
           <a:solidFill>
             <a:schemeClr val="tx1"/>
           </a:solidFill>
@@ -2896,8 +2900,8 @@
           <a:cs typeface="+mn-cs"/>
         </a:defRPr>
       </a:lvl4pPr>
-      <a:lvl5pPr marL="960120" algn="l" defTabSz="480060" rtl="0" eaLnBrk="1" latinLnBrk="0" hangingPunct="1">
-        <a:defRPr sz="945" kern="1200">
+      <a:lvl5pPr marL="720181" algn="l" defTabSz="360091" rtl="0" eaLnBrk="1" latinLnBrk="0" hangingPunct="1">
+        <a:defRPr sz="709" kern="1200">
           <a:solidFill>
             <a:schemeClr val="tx1"/>
           </a:solidFill>
@@ -2906,8 +2910,8 @@
           <a:cs typeface="+mn-cs"/>
         </a:defRPr>
       </a:lvl5pPr>
-      <a:lvl6pPr marL="1200150" algn="l" defTabSz="480060" rtl="0" eaLnBrk="1" latinLnBrk="0" hangingPunct="1">
-        <a:defRPr sz="945" kern="1200">
+      <a:lvl6pPr marL="900227" algn="l" defTabSz="360091" rtl="0" eaLnBrk="1" latinLnBrk="0" hangingPunct="1">
+        <a:defRPr sz="709" kern="1200">
           <a:solidFill>
             <a:schemeClr val="tx1"/>
           </a:solidFill>
@@ -2916,8 +2920,8 @@
           <a:cs typeface="+mn-cs"/>
         </a:defRPr>
       </a:lvl6pPr>
-      <a:lvl7pPr marL="1440180" algn="l" defTabSz="480060" rtl="0" eaLnBrk="1" latinLnBrk="0" hangingPunct="1">
-        <a:defRPr sz="945" kern="1200">
+      <a:lvl7pPr marL="1080272" algn="l" defTabSz="360091" rtl="0" eaLnBrk="1" latinLnBrk="0" hangingPunct="1">
+        <a:defRPr sz="709" kern="1200">
           <a:solidFill>
             <a:schemeClr val="tx1"/>
           </a:solidFill>
@@ -2926,8 +2930,8 @@
           <a:cs typeface="+mn-cs"/>
         </a:defRPr>
       </a:lvl7pPr>
-      <a:lvl8pPr marL="1680210" algn="l" defTabSz="480060" rtl="0" eaLnBrk="1" latinLnBrk="0" hangingPunct="1">
-        <a:defRPr sz="945" kern="1200">
+      <a:lvl8pPr marL="1260318" algn="l" defTabSz="360091" rtl="0" eaLnBrk="1" latinLnBrk="0" hangingPunct="1">
+        <a:defRPr sz="709" kern="1200">
           <a:solidFill>
             <a:schemeClr val="tx1"/>
           </a:solidFill>
@@ -2936,8 +2940,8 @@
           <a:cs typeface="+mn-cs"/>
         </a:defRPr>
       </a:lvl8pPr>
-      <a:lvl9pPr marL="1920240" algn="l" defTabSz="480060" rtl="0" eaLnBrk="1" latinLnBrk="0" hangingPunct="1">
-        <a:defRPr sz="945" kern="1200">
+      <a:lvl9pPr marL="1440363" algn="l" defTabSz="360091" rtl="0" eaLnBrk="1" latinLnBrk="0" hangingPunct="1">
+        <a:defRPr sz="709" kern="1200">
           <a:solidFill>
             <a:schemeClr val="tx1"/>
           </a:solidFill>
@@ -2952,8 +2956,18 @@
 </file>
 
 <file path=ppt/slides/slide1.xml><?xml version="1.0" encoding="utf-8"?>
-<p:sld xmlns:a="http://schemas.openxmlformats.org/drawingml/2006/main" xmlns:r="http://schemas.openxmlformats.org/officeDocument/2006/relationships" xmlns:p="http://schemas.openxmlformats.org/presentationml/2006/main">
+<p:sld xmlns:a="http://schemas.openxmlformats.org/drawingml/2006/main" xmlns:r="http://schemas.openxmlformats.org/officeDocument/2006/relationships" xmlns:p="http://schemas.openxmlformats.org/presentationml/2006/main" showMasterSp="0">
   <p:cSld>
+    <p:bg>
+      <p:bgPr>
+        <a:solidFill>
+          <a:srgbClr val="FFFFFF">
+            <a:alpha val="0"/>
+          </a:srgbClr>
+        </a:solidFill>
+        <a:effectLst/>
+      </p:bgPr>
+    </p:bg>
     <p:spTree>
       <p:nvGrpSpPr>
         <p:cNvPr id="1" name=""/>
@@ -2982,7 +2996,7 @@
         </p:nvSpPr>
         <p:spPr>
           <a:xfrm>
-            <a:off x="77491" y="51866"/>
+            <a:off x="-1721940" y="51866"/>
             <a:ext cx="3555585" cy="3497246"/>
           </a:xfrm>
           <a:prstGeom prst="ellipse">
@@ -3057,7 +3071,7 @@
         </p:nvSpPr>
         <p:spPr>
           <a:xfrm rot="21147149">
-            <a:off x="-83730" y="158871"/>
+            <a:off x="-1883161" y="158871"/>
             <a:ext cx="3456503" cy="1446550"/>
           </a:xfrm>
           <a:prstGeom prst="rect">
@@ -3100,7 +3114,7 @@
         </p:nvSpPr>
         <p:spPr>
           <a:xfrm rot="21103859">
-            <a:off x="327805" y="1773836"/>
+            <a:off x="-1471626" y="1773836"/>
             <a:ext cx="3413432" cy="1446550"/>
           </a:xfrm>
           <a:prstGeom prst="rect">
@@ -3136,7 +3150,7 @@
         </p:nvSpPr>
         <p:spPr>
           <a:xfrm rot="21081685">
-            <a:off x="115024" y="1205180"/>
+            <a:off x="-1684407" y="1205181"/>
             <a:ext cx="3413432" cy="1015663"/>
           </a:xfrm>
           <a:prstGeom prst="rect">
@@ -3176,7 +3190,7 @@
         </p:nvSpPr>
         <p:spPr>
           <a:xfrm>
-            <a:off x="3755028" y="848913"/>
+            <a:off x="1955598" y="848913"/>
             <a:ext cx="3168997" cy="1938992"/>
           </a:xfrm>
           <a:prstGeom prst="rect">
@@ -3206,6 +3220,261 @@
     <p:extLst>
       <p:ext uri="{BB962C8B-B14F-4D97-AF65-F5344CB8AC3E}">
         <p14:creationId xmlns:p14="http://schemas.microsoft.com/office/powerpoint/2010/main" val="1722386716"/>
+      </p:ext>
+    </p:extLst>
+  </p:cSld>
+  <p:clrMapOvr>
+    <a:masterClrMapping/>
+  </p:clrMapOvr>
+</p:sld>
+</file>
+
+<file path=ppt/slides/slide2.xml><?xml version="1.0" encoding="utf-8"?>
+<p:sld xmlns:a="http://schemas.openxmlformats.org/drawingml/2006/main" xmlns:r="http://schemas.openxmlformats.org/officeDocument/2006/relationships" xmlns:p="http://schemas.openxmlformats.org/presentationml/2006/main" showMasterSp="0">
+  <p:cSld>
+    <p:bg>
+      <p:bgPr>
+        <a:solidFill>
+          <a:srgbClr val="FFFFFF">
+            <a:alpha val="0"/>
+          </a:srgbClr>
+        </a:solidFill>
+        <a:effectLst/>
+      </p:bgPr>
+    </p:bg>
+    <p:spTree>
+      <p:nvGrpSpPr>
+        <p:cNvPr id="1" name=""/>
+        <p:cNvGrpSpPr/>
+        <p:nvPr/>
+      </p:nvGrpSpPr>
+      <p:grpSpPr>
+        <a:xfrm>
+          <a:off x="0" y="0"/>
+          <a:ext cx="0" cy="0"/>
+          <a:chOff x="0" y="0"/>
+          <a:chExt cx="0" cy="0"/>
+        </a:xfrm>
+      </p:grpSpPr>
+      <p:grpSp>
+        <p:nvGrpSpPr>
+          <p:cNvPr id="2" name="Group 1">
+            <a:extLst>
+              <a:ext uri="{FF2B5EF4-FFF2-40B4-BE49-F238E27FC236}">
+                <a16:creationId xmlns:a16="http://schemas.microsoft.com/office/drawing/2014/main" id="{D463DF10-5233-A8DB-04DB-2A73431EE478}"/>
+              </a:ext>
+            </a:extLst>
+          </p:cNvPr>
+          <p:cNvGrpSpPr/>
+          <p:nvPr/>
+        </p:nvGrpSpPr>
+        <p:grpSpPr>
+          <a:xfrm>
+            <a:off x="-142680" y="51866"/>
+            <a:ext cx="3824967" cy="3497246"/>
+            <a:chOff x="-142680" y="51866"/>
+            <a:chExt cx="3824967" cy="3497246"/>
+          </a:xfrm>
+        </p:grpSpPr>
+        <p:sp>
+          <p:nvSpPr>
+            <p:cNvPr id="4" name="Oval 3">
+              <a:extLst>
+                <a:ext uri="{FF2B5EF4-FFF2-40B4-BE49-F238E27FC236}">
+                  <a16:creationId xmlns:a16="http://schemas.microsoft.com/office/drawing/2014/main" id="{EED90836-7EFA-F6B5-D15C-AF3861496F19}"/>
+                </a:ext>
+              </a:extLst>
+            </p:cNvPr>
+            <p:cNvSpPr/>
+            <p:nvPr/>
+          </p:nvSpPr>
+          <p:spPr>
+            <a:xfrm>
+              <a:off x="18541" y="51866"/>
+              <a:ext cx="3555585" cy="3497246"/>
+            </a:xfrm>
+            <a:prstGeom prst="ellipse">
+              <a:avLst/>
+            </a:prstGeom>
+            <a:gradFill>
+              <a:gsLst>
+                <a:gs pos="0">
+                  <a:schemeClr val="accent1">
+                    <a:lumMod val="5000"/>
+                    <a:lumOff val="95000"/>
+                  </a:schemeClr>
+                </a:gs>
+                <a:gs pos="25974">
+                  <a:schemeClr val="bg1">
+                    <a:lumMod val="95000"/>
+                  </a:schemeClr>
+                </a:gs>
+                <a:gs pos="74000">
+                  <a:schemeClr val="bg1">
+                    <a:lumMod val="85000"/>
+                  </a:schemeClr>
+                </a:gs>
+                <a:gs pos="83000">
+                  <a:schemeClr val="bg1">
+                    <a:lumMod val="75000"/>
+                  </a:schemeClr>
+                </a:gs>
+                <a:gs pos="100000">
+                  <a:schemeClr val="bg1">
+                    <a:lumMod val="75000"/>
+                  </a:schemeClr>
+                </a:gs>
+              </a:gsLst>
+              <a:lin ang="5400000" scaled="1"/>
+            </a:gradFill>
+          </p:spPr>
+          <p:style>
+            <a:lnRef idx="2">
+              <a:schemeClr val="dk1"/>
+            </a:lnRef>
+            <a:fillRef idx="1">
+              <a:schemeClr val="lt1"/>
+            </a:fillRef>
+            <a:effectRef idx="0">
+              <a:schemeClr val="dk1"/>
+            </a:effectRef>
+            <a:fontRef idx="minor">
+              <a:schemeClr val="dk1"/>
+            </a:fontRef>
+          </p:style>
+          <p:txBody>
+            <a:bodyPr rtlCol="0" anchor="ctr"/>
+            <a:lstStyle/>
+            <a:p>
+              <a:pPr algn="ctr"/>
+              <a:endParaRPr lang="en-DE" dirty="0"/>
+            </a:p>
+          </p:txBody>
+        </p:sp>
+        <p:sp>
+          <p:nvSpPr>
+            <p:cNvPr id="5" name="TextBox 4">
+              <a:extLst>
+                <a:ext uri="{FF2B5EF4-FFF2-40B4-BE49-F238E27FC236}">
+                  <a16:creationId xmlns:a16="http://schemas.microsoft.com/office/drawing/2014/main" id="{F5496BA9-86EE-E973-6D21-8E53E2F968C3}"/>
+                </a:ext>
+              </a:extLst>
+            </p:cNvPr>
+            <p:cNvSpPr txBox="1"/>
+            <p:nvPr/>
+          </p:nvSpPr>
+          <p:spPr>
+            <a:xfrm rot="21147149">
+              <a:off x="-142680" y="158871"/>
+              <a:ext cx="3456503" cy="1446550"/>
+            </a:xfrm>
+            <a:prstGeom prst="rect">
+              <a:avLst/>
+            </a:prstGeom>
+            <a:noFill/>
+          </p:spPr>
+          <p:txBody>
+            <a:bodyPr wrap="square" rtlCol="0">
+              <a:spAutoFit/>
+            </a:bodyPr>
+            <a:lstStyle/>
+            <a:p>
+              <a:pPr algn="ctr"/>
+              <a:r>
+                <a:rPr lang="en-DE" sz="4400" dirty="0"/>
+                <a:t>Open</a:t>
+              </a:r>
+            </a:p>
+            <a:p>
+              <a:pPr algn="ctr"/>
+              <a:r>
+                <a:rPr lang="en-DE" sz="4400" dirty="0"/>
+                <a:t>Science</a:t>
+              </a:r>
+            </a:p>
+          </p:txBody>
+        </p:sp>
+        <p:sp>
+          <p:nvSpPr>
+            <p:cNvPr id="6" name="TextBox 5">
+              <a:extLst>
+                <a:ext uri="{FF2B5EF4-FFF2-40B4-BE49-F238E27FC236}">
+                  <a16:creationId xmlns:a16="http://schemas.microsoft.com/office/drawing/2014/main" id="{0B8281F5-A905-D6A4-C98C-F09BBAD71488}"/>
+                </a:ext>
+              </a:extLst>
+            </p:cNvPr>
+            <p:cNvSpPr txBox="1"/>
+            <p:nvPr/>
+          </p:nvSpPr>
+          <p:spPr>
+            <a:xfrm rot="21103859">
+              <a:off x="268855" y="1773836"/>
+              <a:ext cx="3413432" cy="1446550"/>
+            </a:xfrm>
+            <a:prstGeom prst="rect">
+              <a:avLst/>
+            </a:prstGeom>
+            <a:noFill/>
+          </p:spPr>
+          <p:txBody>
+            <a:bodyPr wrap="square" rtlCol="0">
+              <a:spAutoFit/>
+            </a:bodyPr>
+            <a:lstStyle/>
+            <a:p>
+              <a:pPr algn="ctr"/>
+              <a:r>
+                <a:rPr lang="en-DE" sz="4400" dirty="0"/>
+                <a:t>Special Education</a:t>
+              </a:r>
+            </a:p>
+          </p:txBody>
+        </p:sp>
+        <p:sp>
+          <p:nvSpPr>
+            <p:cNvPr id="7" name="TextBox 6">
+              <a:extLst>
+                <a:ext uri="{FF2B5EF4-FFF2-40B4-BE49-F238E27FC236}">
+                  <a16:creationId xmlns:a16="http://schemas.microsoft.com/office/drawing/2014/main" id="{9DCADF0F-8CF6-725A-8E17-FFAA455CA552}"/>
+                </a:ext>
+              </a:extLst>
+            </p:cNvPr>
+            <p:cNvSpPr txBox="1"/>
+            <p:nvPr/>
+          </p:nvSpPr>
+          <p:spPr>
+            <a:xfrm rot="21081685">
+              <a:off x="56074" y="1205181"/>
+              <a:ext cx="3413432" cy="1015663"/>
+            </a:xfrm>
+            <a:prstGeom prst="rect">
+              <a:avLst/>
+            </a:prstGeom>
+            <a:noFill/>
+          </p:spPr>
+          <p:txBody>
+            <a:bodyPr wrap="square" rtlCol="0">
+              <a:spAutoFit/>
+            </a:bodyPr>
+            <a:lstStyle/>
+            <a:p>
+              <a:pPr algn="ctr"/>
+              <a:r>
+                <a:rPr lang="en-DE" sz="6000" dirty="0">
+                  <a:solidFill>
+                    <a:srgbClr val="C00000"/>
+                  </a:solidFill>
+                </a:rPr>
+                <a:t>4</a:t>
+              </a:r>
+            </a:p>
+          </p:txBody>
+        </p:sp>
+      </p:grpSp>
+    </p:spTree>
+    <p:extLst>
+      <p:ext uri="{BB962C8B-B14F-4D97-AF65-F5344CB8AC3E}">
+        <p14:creationId xmlns:p14="http://schemas.microsoft.com/office/powerpoint/2010/main" val="2900784042"/>
       </p:ext>
     </p:extLst>
   </p:cSld>

--- a/images/logo.pptx
+++ b/images/logo.pptx
@@ -2,13 +2,14 @@
 <file path=ppt/presentation.xml><?xml version="1.0" encoding="utf-8"?>
 <p:presentation xmlns:a="http://schemas.openxmlformats.org/drawingml/2006/main" xmlns:r="http://schemas.openxmlformats.org/officeDocument/2006/relationships" xmlns:p="http://schemas.openxmlformats.org/presentationml/2006/main" saveSubsetFonts="1" autoCompressPictures="0">
   <p:sldMasterIdLst>
-    <p:sldMasterId id="2147483684" r:id="rId1"/>
+    <p:sldMasterId id="2147483696" r:id="rId1"/>
   </p:sldMasterIdLst>
   <p:sldIdLst>
     <p:sldId id="256" r:id="rId2"/>
     <p:sldId id="257" r:id="rId3"/>
+    <p:sldId id="258" r:id="rId4"/>
   </p:sldIdLst>
-  <p:sldSz cx="3600450" cy="3600450"/>
+  <p:sldSz cx="7199313" cy="3600450"/>
   <p:notesSz cx="6858000" cy="9144000"/>
   <p:defaultTextStyle>
     <a:defPPr>
@@ -142,15 +143,15 @@
         </p:nvSpPr>
         <p:spPr>
           <a:xfrm>
-            <a:off x="270034" y="589241"/>
-            <a:ext cx="3060383" cy="1253490"/>
+            <a:off x="899914" y="589241"/>
+            <a:ext cx="5399485" cy="1253490"/>
           </a:xfrm>
         </p:spPr>
         <p:txBody>
           <a:bodyPr anchor="b"/>
           <a:lstStyle>
             <a:lvl1pPr algn="ctr">
-              <a:defRPr sz="2363"/>
+              <a:defRPr sz="3150"/>
             </a:lvl1pPr>
           </a:lstStyle>
           <a:p>
@@ -174,8 +175,8 @@
         </p:nvSpPr>
         <p:spPr>
           <a:xfrm>
-            <a:off x="450056" y="1891070"/>
-            <a:ext cx="2700338" cy="869275"/>
+            <a:off x="899914" y="1891070"/>
+            <a:ext cx="5399485" cy="869275"/>
           </a:xfrm>
         </p:spPr>
         <p:txBody>
@@ -183,39 +184,39 @@
           <a:lstStyle>
             <a:lvl1pPr marL="0" indent="0" algn="ctr">
               <a:buNone/>
+              <a:defRPr sz="1260"/>
+            </a:lvl1pPr>
+            <a:lvl2pPr marL="240030" indent="0" algn="ctr">
+              <a:buNone/>
+              <a:defRPr sz="1050"/>
+            </a:lvl2pPr>
+            <a:lvl3pPr marL="480060" indent="0" algn="ctr">
+              <a:buNone/>
               <a:defRPr sz="945"/>
-            </a:lvl1pPr>
-            <a:lvl2pPr marL="180045" indent="0" algn="ctr">
-              <a:buNone/>
-              <a:defRPr sz="788"/>
-            </a:lvl2pPr>
-            <a:lvl3pPr marL="360091" indent="0" algn="ctr">
-              <a:buNone/>
-              <a:defRPr sz="709"/>
             </a:lvl3pPr>
-            <a:lvl4pPr marL="540136" indent="0" algn="ctr">
-              <a:buNone/>
-              <a:defRPr sz="630"/>
+            <a:lvl4pPr marL="720090" indent="0" algn="ctr">
+              <a:buNone/>
+              <a:defRPr sz="840"/>
             </a:lvl4pPr>
-            <a:lvl5pPr marL="720181" indent="0" algn="ctr">
-              <a:buNone/>
-              <a:defRPr sz="630"/>
+            <a:lvl5pPr marL="960120" indent="0" algn="ctr">
+              <a:buNone/>
+              <a:defRPr sz="840"/>
             </a:lvl5pPr>
-            <a:lvl6pPr marL="900227" indent="0" algn="ctr">
-              <a:buNone/>
-              <a:defRPr sz="630"/>
+            <a:lvl6pPr marL="1200150" indent="0" algn="ctr">
+              <a:buNone/>
+              <a:defRPr sz="840"/>
             </a:lvl6pPr>
-            <a:lvl7pPr marL="1080272" indent="0" algn="ctr">
-              <a:buNone/>
-              <a:defRPr sz="630"/>
+            <a:lvl7pPr marL="1440180" indent="0" algn="ctr">
+              <a:buNone/>
+              <a:defRPr sz="840"/>
             </a:lvl7pPr>
-            <a:lvl8pPr marL="1260318" indent="0" algn="ctr">
-              <a:buNone/>
-              <a:defRPr sz="630"/>
+            <a:lvl8pPr marL="1680210" indent="0" algn="ctr">
+              <a:buNone/>
+              <a:defRPr sz="840"/>
             </a:lvl8pPr>
-            <a:lvl9pPr marL="1440363" indent="0" algn="ctr">
-              <a:buNone/>
-              <a:defRPr sz="630"/>
+            <a:lvl9pPr marL="1920240" indent="0" algn="ctr">
+              <a:buNone/>
+              <a:defRPr sz="840"/>
             </a:lvl9pPr>
           </a:lstStyle>
           <a:p>
@@ -295,7 +296,7 @@
     </p:spTree>
     <p:extLst>
       <p:ext uri="{BB962C8B-B14F-4D97-AF65-F5344CB8AC3E}">
-        <p14:creationId xmlns:p14="http://schemas.microsoft.com/office/powerpoint/2010/main" val="3021578138"/>
+        <p14:creationId xmlns:p14="http://schemas.microsoft.com/office/powerpoint/2010/main" val="1918336186"/>
       </p:ext>
     </p:extLst>
   </p:cSld>
@@ -465,7 +466,7 @@
     </p:spTree>
     <p:extLst>
       <p:ext uri="{BB962C8B-B14F-4D97-AF65-F5344CB8AC3E}">
-        <p14:creationId xmlns:p14="http://schemas.microsoft.com/office/powerpoint/2010/main" val="1341463599"/>
+        <p14:creationId xmlns:p14="http://schemas.microsoft.com/office/powerpoint/2010/main" val="1725567026"/>
       </p:ext>
     </p:extLst>
   </p:cSld>
@@ -504,8 +505,8 @@
         </p:nvSpPr>
         <p:spPr>
           <a:xfrm>
-            <a:off x="2576572" y="191691"/>
-            <a:ext cx="776347" cy="3051215"/>
+            <a:off x="5152008" y="191691"/>
+            <a:ext cx="1552352" cy="3051215"/>
           </a:xfrm>
         </p:spPr>
         <p:txBody>
@@ -532,8 +533,8 @@
         </p:nvSpPr>
         <p:spPr>
           <a:xfrm>
-            <a:off x="247531" y="191691"/>
-            <a:ext cx="2284035" cy="3051215"/>
+            <a:off x="494953" y="191691"/>
+            <a:ext cx="4567064" cy="3051215"/>
           </a:xfrm>
         </p:spPr>
         <p:txBody>
@@ -645,7 +646,7 @@
     </p:spTree>
     <p:extLst>
       <p:ext uri="{BB962C8B-B14F-4D97-AF65-F5344CB8AC3E}">
-        <p14:creationId xmlns:p14="http://schemas.microsoft.com/office/powerpoint/2010/main" val="220941569"/>
+        <p14:creationId xmlns:p14="http://schemas.microsoft.com/office/powerpoint/2010/main" val="4081990436"/>
       </p:ext>
     </p:extLst>
   </p:cSld>
@@ -815,7 +816,7 @@
     </p:spTree>
     <p:extLst>
       <p:ext uri="{BB962C8B-B14F-4D97-AF65-F5344CB8AC3E}">
-        <p14:creationId xmlns:p14="http://schemas.microsoft.com/office/powerpoint/2010/main" val="4292193844"/>
+        <p14:creationId xmlns:p14="http://schemas.microsoft.com/office/powerpoint/2010/main" val="3673761795"/>
       </p:ext>
     </p:extLst>
   </p:cSld>
@@ -854,15 +855,15 @@
         </p:nvSpPr>
         <p:spPr>
           <a:xfrm>
-            <a:off x="245656" y="897613"/>
-            <a:ext cx="3105388" cy="1497687"/>
+            <a:off x="491203" y="897613"/>
+            <a:ext cx="6209407" cy="1497687"/>
           </a:xfrm>
         </p:spPr>
         <p:txBody>
           <a:bodyPr anchor="b"/>
           <a:lstStyle>
             <a:lvl1pPr>
-              <a:defRPr sz="2363"/>
+              <a:defRPr sz="3150"/>
             </a:lvl1pPr>
           </a:lstStyle>
           <a:p>
@@ -886,8 +887,8 @@
         </p:nvSpPr>
         <p:spPr>
           <a:xfrm>
-            <a:off x="245656" y="2409469"/>
-            <a:ext cx="3105388" cy="787598"/>
+            <a:off x="491203" y="2409468"/>
+            <a:ext cx="6209407" cy="787598"/>
           </a:xfrm>
         </p:spPr>
         <p:txBody>
@@ -895,15 +896,17 @@
           <a:lstStyle>
             <a:lvl1pPr marL="0" indent="0">
               <a:buNone/>
-              <a:defRPr sz="945">
+              <a:defRPr sz="1260">
                 <a:solidFill>
-                  <a:schemeClr val="tx1"/>
+                  <a:schemeClr val="tx1">
+                    <a:tint val="75000"/>
+                  </a:schemeClr>
                 </a:solidFill>
               </a:defRPr>
             </a:lvl1pPr>
-            <a:lvl2pPr marL="180045" indent="0">
-              <a:buNone/>
-              <a:defRPr sz="788">
+            <a:lvl2pPr marL="240030" indent="0">
+              <a:buNone/>
+              <a:defRPr sz="1050">
                 <a:solidFill>
                   <a:schemeClr val="tx1">
                     <a:tint val="75000"/>
@@ -911,9 +914,9 @@
                 </a:solidFill>
               </a:defRPr>
             </a:lvl2pPr>
-            <a:lvl3pPr marL="360091" indent="0">
-              <a:buNone/>
-              <a:defRPr sz="709">
+            <a:lvl3pPr marL="480060" indent="0">
+              <a:buNone/>
+              <a:defRPr sz="945">
                 <a:solidFill>
                   <a:schemeClr val="tx1">
                     <a:tint val="75000"/>
@@ -921,9 +924,9 @@
                 </a:solidFill>
               </a:defRPr>
             </a:lvl3pPr>
-            <a:lvl4pPr marL="540136" indent="0">
-              <a:buNone/>
-              <a:defRPr sz="630">
+            <a:lvl4pPr marL="720090" indent="0">
+              <a:buNone/>
+              <a:defRPr sz="840">
                 <a:solidFill>
                   <a:schemeClr val="tx1">
                     <a:tint val="75000"/>
@@ -931,9 +934,9 @@
                 </a:solidFill>
               </a:defRPr>
             </a:lvl4pPr>
-            <a:lvl5pPr marL="720181" indent="0">
-              <a:buNone/>
-              <a:defRPr sz="630">
+            <a:lvl5pPr marL="960120" indent="0">
+              <a:buNone/>
+              <a:defRPr sz="840">
                 <a:solidFill>
                   <a:schemeClr val="tx1">
                     <a:tint val="75000"/>
@@ -941,9 +944,9 @@
                 </a:solidFill>
               </a:defRPr>
             </a:lvl5pPr>
-            <a:lvl6pPr marL="900227" indent="0">
-              <a:buNone/>
-              <a:defRPr sz="630">
+            <a:lvl6pPr marL="1200150" indent="0">
+              <a:buNone/>
+              <a:defRPr sz="840">
                 <a:solidFill>
                   <a:schemeClr val="tx1">
                     <a:tint val="75000"/>
@@ -951,9 +954,9 @@
                 </a:solidFill>
               </a:defRPr>
             </a:lvl6pPr>
-            <a:lvl7pPr marL="1080272" indent="0">
-              <a:buNone/>
-              <a:defRPr sz="630">
+            <a:lvl7pPr marL="1440180" indent="0">
+              <a:buNone/>
+              <a:defRPr sz="840">
                 <a:solidFill>
                   <a:schemeClr val="tx1">
                     <a:tint val="75000"/>
@@ -961,9 +964,9 @@
                 </a:solidFill>
               </a:defRPr>
             </a:lvl7pPr>
-            <a:lvl8pPr marL="1260318" indent="0">
-              <a:buNone/>
-              <a:defRPr sz="630">
+            <a:lvl8pPr marL="1680210" indent="0">
+              <a:buNone/>
+              <a:defRPr sz="840">
                 <a:solidFill>
                   <a:schemeClr val="tx1">
                     <a:tint val="75000"/>
@@ -971,9 +974,9 @@
                 </a:solidFill>
               </a:defRPr>
             </a:lvl8pPr>
-            <a:lvl9pPr marL="1440363" indent="0">
-              <a:buNone/>
-              <a:defRPr sz="630">
+            <a:lvl9pPr marL="1920240" indent="0">
+              <a:buNone/>
+              <a:defRPr sz="840">
                 <a:solidFill>
                   <a:schemeClr val="tx1">
                     <a:tint val="75000"/>
@@ -1059,7 +1062,7 @@
     </p:spTree>
     <p:extLst>
       <p:ext uri="{BB962C8B-B14F-4D97-AF65-F5344CB8AC3E}">
-        <p14:creationId xmlns:p14="http://schemas.microsoft.com/office/powerpoint/2010/main" val="4184082905"/>
+        <p14:creationId xmlns:p14="http://schemas.microsoft.com/office/powerpoint/2010/main" val="3651163359"/>
       </p:ext>
     </p:extLst>
   </p:cSld>
@@ -1121,8 +1124,8 @@
         </p:nvSpPr>
         <p:spPr>
           <a:xfrm>
-            <a:off x="247531" y="958453"/>
-            <a:ext cx="1530191" cy="2284452"/>
+            <a:off x="494953" y="958453"/>
+            <a:ext cx="3059708" cy="2284452"/>
           </a:xfrm>
         </p:spPr>
         <p:txBody>
@@ -1178,8 +1181,8 @@
         </p:nvSpPr>
         <p:spPr>
           <a:xfrm>
-            <a:off x="1822728" y="958453"/>
-            <a:ext cx="1530191" cy="2284452"/>
+            <a:off x="3644652" y="958453"/>
+            <a:ext cx="3059708" cy="2284452"/>
           </a:xfrm>
         </p:spPr>
         <p:txBody>
@@ -1291,7 +1294,7 @@
     </p:spTree>
     <p:extLst>
       <p:ext uri="{BB962C8B-B14F-4D97-AF65-F5344CB8AC3E}">
-        <p14:creationId xmlns:p14="http://schemas.microsoft.com/office/powerpoint/2010/main" val="1502675383"/>
+        <p14:creationId xmlns:p14="http://schemas.microsoft.com/office/powerpoint/2010/main" val="649340464"/>
       </p:ext>
     </p:extLst>
   </p:cSld>
@@ -1330,8 +1333,8 @@
         </p:nvSpPr>
         <p:spPr>
           <a:xfrm>
-            <a:off x="248000" y="191691"/>
-            <a:ext cx="3105388" cy="695921"/>
+            <a:off x="495891" y="191691"/>
+            <a:ext cx="6209407" cy="695921"/>
           </a:xfrm>
         </p:spPr>
         <p:txBody>
@@ -1358,8 +1361,8 @@
         </p:nvSpPr>
         <p:spPr>
           <a:xfrm>
-            <a:off x="248000" y="882610"/>
-            <a:ext cx="1523159" cy="432554"/>
+            <a:off x="495891" y="882610"/>
+            <a:ext cx="3045647" cy="432554"/>
           </a:xfrm>
         </p:spPr>
         <p:txBody>
@@ -1367,39 +1370,39 @@
           <a:lstStyle>
             <a:lvl1pPr marL="0" indent="0">
               <a:buNone/>
+              <a:defRPr sz="1260" b="1"/>
+            </a:lvl1pPr>
+            <a:lvl2pPr marL="240030" indent="0">
+              <a:buNone/>
+              <a:defRPr sz="1050" b="1"/>
+            </a:lvl2pPr>
+            <a:lvl3pPr marL="480060" indent="0">
+              <a:buNone/>
               <a:defRPr sz="945" b="1"/>
-            </a:lvl1pPr>
-            <a:lvl2pPr marL="180045" indent="0">
-              <a:buNone/>
-              <a:defRPr sz="788" b="1"/>
-            </a:lvl2pPr>
-            <a:lvl3pPr marL="360091" indent="0">
-              <a:buNone/>
-              <a:defRPr sz="709" b="1"/>
             </a:lvl3pPr>
-            <a:lvl4pPr marL="540136" indent="0">
-              <a:buNone/>
-              <a:defRPr sz="630" b="1"/>
+            <a:lvl4pPr marL="720090" indent="0">
+              <a:buNone/>
+              <a:defRPr sz="840" b="1"/>
             </a:lvl4pPr>
-            <a:lvl5pPr marL="720181" indent="0">
-              <a:buNone/>
-              <a:defRPr sz="630" b="1"/>
+            <a:lvl5pPr marL="960120" indent="0">
+              <a:buNone/>
+              <a:defRPr sz="840" b="1"/>
             </a:lvl5pPr>
-            <a:lvl6pPr marL="900227" indent="0">
-              <a:buNone/>
-              <a:defRPr sz="630" b="1"/>
+            <a:lvl6pPr marL="1200150" indent="0">
+              <a:buNone/>
+              <a:defRPr sz="840" b="1"/>
             </a:lvl6pPr>
-            <a:lvl7pPr marL="1080272" indent="0">
-              <a:buNone/>
-              <a:defRPr sz="630" b="1"/>
+            <a:lvl7pPr marL="1440180" indent="0">
+              <a:buNone/>
+              <a:defRPr sz="840" b="1"/>
             </a:lvl7pPr>
-            <a:lvl8pPr marL="1260318" indent="0">
-              <a:buNone/>
-              <a:defRPr sz="630" b="1"/>
+            <a:lvl8pPr marL="1680210" indent="0">
+              <a:buNone/>
+              <a:defRPr sz="840" b="1"/>
             </a:lvl8pPr>
-            <a:lvl9pPr marL="1440363" indent="0">
-              <a:buNone/>
-              <a:defRPr sz="630" b="1"/>
+            <a:lvl9pPr marL="1920240" indent="0">
+              <a:buNone/>
+              <a:defRPr sz="840" b="1"/>
             </a:lvl9pPr>
           </a:lstStyle>
           <a:p>
@@ -1423,8 +1426,8 @@
         </p:nvSpPr>
         <p:spPr>
           <a:xfrm>
-            <a:off x="248000" y="1315164"/>
-            <a:ext cx="1523159" cy="1934409"/>
+            <a:off x="495891" y="1315164"/>
+            <a:ext cx="3045647" cy="1934409"/>
           </a:xfrm>
         </p:spPr>
         <p:txBody>
@@ -1480,8 +1483,8 @@
         </p:nvSpPr>
         <p:spPr>
           <a:xfrm>
-            <a:off x="1822728" y="882610"/>
-            <a:ext cx="1530660" cy="432554"/>
+            <a:off x="3644652" y="882610"/>
+            <a:ext cx="3060646" cy="432554"/>
           </a:xfrm>
         </p:spPr>
         <p:txBody>
@@ -1489,39 +1492,39 @@
           <a:lstStyle>
             <a:lvl1pPr marL="0" indent="0">
               <a:buNone/>
+              <a:defRPr sz="1260" b="1"/>
+            </a:lvl1pPr>
+            <a:lvl2pPr marL="240030" indent="0">
+              <a:buNone/>
+              <a:defRPr sz="1050" b="1"/>
+            </a:lvl2pPr>
+            <a:lvl3pPr marL="480060" indent="0">
+              <a:buNone/>
               <a:defRPr sz="945" b="1"/>
-            </a:lvl1pPr>
-            <a:lvl2pPr marL="180045" indent="0">
-              <a:buNone/>
-              <a:defRPr sz="788" b="1"/>
-            </a:lvl2pPr>
-            <a:lvl3pPr marL="360091" indent="0">
-              <a:buNone/>
-              <a:defRPr sz="709" b="1"/>
             </a:lvl3pPr>
-            <a:lvl4pPr marL="540136" indent="0">
-              <a:buNone/>
-              <a:defRPr sz="630" b="1"/>
+            <a:lvl4pPr marL="720090" indent="0">
+              <a:buNone/>
+              <a:defRPr sz="840" b="1"/>
             </a:lvl4pPr>
-            <a:lvl5pPr marL="720181" indent="0">
-              <a:buNone/>
-              <a:defRPr sz="630" b="1"/>
+            <a:lvl5pPr marL="960120" indent="0">
+              <a:buNone/>
+              <a:defRPr sz="840" b="1"/>
             </a:lvl5pPr>
-            <a:lvl6pPr marL="900227" indent="0">
-              <a:buNone/>
-              <a:defRPr sz="630" b="1"/>
+            <a:lvl6pPr marL="1200150" indent="0">
+              <a:buNone/>
+              <a:defRPr sz="840" b="1"/>
             </a:lvl6pPr>
-            <a:lvl7pPr marL="1080272" indent="0">
-              <a:buNone/>
-              <a:defRPr sz="630" b="1"/>
+            <a:lvl7pPr marL="1440180" indent="0">
+              <a:buNone/>
+              <a:defRPr sz="840" b="1"/>
             </a:lvl7pPr>
-            <a:lvl8pPr marL="1260318" indent="0">
-              <a:buNone/>
-              <a:defRPr sz="630" b="1"/>
+            <a:lvl8pPr marL="1680210" indent="0">
+              <a:buNone/>
+              <a:defRPr sz="840" b="1"/>
             </a:lvl8pPr>
-            <a:lvl9pPr marL="1440363" indent="0">
-              <a:buNone/>
-              <a:defRPr sz="630" b="1"/>
+            <a:lvl9pPr marL="1920240" indent="0">
+              <a:buNone/>
+              <a:defRPr sz="840" b="1"/>
             </a:lvl9pPr>
           </a:lstStyle>
           <a:p>
@@ -1545,8 +1548,8 @@
         </p:nvSpPr>
         <p:spPr>
           <a:xfrm>
-            <a:off x="1822728" y="1315164"/>
-            <a:ext cx="1530660" cy="1934409"/>
+            <a:off x="3644652" y="1315164"/>
+            <a:ext cx="3060646" cy="1934409"/>
           </a:xfrm>
         </p:spPr>
         <p:txBody>
@@ -1658,7 +1661,7 @@
     </p:spTree>
     <p:extLst>
       <p:ext uri="{BB962C8B-B14F-4D97-AF65-F5344CB8AC3E}">
-        <p14:creationId xmlns:p14="http://schemas.microsoft.com/office/powerpoint/2010/main" val="1269907195"/>
+        <p14:creationId xmlns:p14="http://schemas.microsoft.com/office/powerpoint/2010/main" val="2721851948"/>
       </p:ext>
     </p:extLst>
   </p:cSld>
@@ -1776,7 +1779,7 @@
     </p:spTree>
     <p:extLst>
       <p:ext uri="{BB962C8B-B14F-4D97-AF65-F5344CB8AC3E}">
-        <p14:creationId xmlns:p14="http://schemas.microsoft.com/office/powerpoint/2010/main" val="1885741087"/>
+        <p14:creationId xmlns:p14="http://schemas.microsoft.com/office/powerpoint/2010/main" val="3943984297"/>
       </p:ext>
     </p:extLst>
   </p:cSld>
@@ -1871,7 +1874,7 @@
     </p:spTree>
     <p:extLst>
       <p:ext uri="{BB962C8B-B14F-4D97-AF65-F5344CB8AC3E}">
-        <p14:creationId xmlns:p14="http://schemas.microsoft.com/office/powerpoint/2010/main" val="3074018767"/>
+        <p14:creationId xmlns:p14="http://schemas.microsoft.com/office/powerpoint/2010/main" val="4202754383"/>
       </p:ext>
     </p:extLst>
   </p:cSld>
@@ -1910,15 +1913,15 @@
         </p:nvSpPr>
         <p:spPr>
           <a:xfrm>
-            <a:off x="248000" y="240030"/>
-            <a:ext cx="1161239" cy="840105"/>
+            <a:off x="495891" y="240030"/>
+            <a:ext cx="2321966" cy="840105"/>
           </a:xfrm>
         </p:spPr>
         <p:txBody>
           <a:bodyPr anchor="b"/>
           <a:lstStyle>
             <a:lvl1pPr>
-              <a:defRPr sz="1260"/>
+              <a:defRPr sz="1680"/>
             </a:lvl1pPr>
           </a:lstStyle>
           <a:p>
@@ -1942,39 +1945,39 @@
         </p:nvSpPr>
         <p:spPr>
           <a:xfrm>
-            <a:off x="1530660" y="518399"/>
-            <a:ext cx="1822728" cy="2558653"/>
+            <a:off x="3060646" y="518398"/>
+            <a:ext cx="3644652" cy="2558653"/>
           </a:xfrm>
         </p:spPr>
         <p:txBody>
           <a:bodyPr/>
           <a:lstStyle>
             <a:lvl1pPr>
-              <a:defRPr sz="1260"/>
+              <a:defRPr sz="1680"/>
             </a:lvl1pPr>
             <a:lvl2pPr>
-              <a:defRPr sz="1103"/>
+              <a:defRPr sz="1470"/>
             </a:lvl2pPr>
             <a:lvl3pPr>
-              <a:defRPr sz="945"/>
+              <a:defRPr sz="1260"/>
             </a:lvl3pPr>
             <a:lvl4pPr>
-              <a:defRPr sz="788"/>
+              <a:defRPr sz="1050"/>
             </a:lvl4pPr>
             <a:lvl5pPr>
-              <a:defRPr sz="788"/>
+              <a:defRPr sz="1050"/>
             </a:lvl5pPr>
             <a:lvl6pPr>
-              <a:defRPr sz="788"/>
+              <a:defRPr sz="1050"/>
             </a:lvl6pPr>
             <a:lvl7pPr>
-              <a:defRPr sz="788"/>
+              <a:defRPr sz="1050"/>
             </a:lvl7pPr>
             <a:lvl8pPr>
-              <a:defRPr sz="788"/>
+              <a:defRPr sz="1050"/>
             </a:lvl8pPr>
             <a:lvl9pPr>
-              <a:defRPr sz="788"/>
+              <a:defRPr sz="1050"/>
             </a:lvl9pPr>
           </a:lstStyle>
           <a:p>
@@ -2027,8 +2030,8 @@
         </p:nvSpPr>
         <p:spPr>
           <a:xfrm>
-            <a:off x="248000" y="1080135"/>
-            <a:ext cx="1161239" cy="2001084"/>
+            <a:off x="495891" y="1080135"/>
+            <a:ext cx="2321966" cy="2001084"/>
           </a:xfrm>
         </p:spPr>
         <p:txBody>
@@ -2036,39 +2039,39 @@
           <a:lstStyle>
             <a:lvl1pPr marL="0" indent="0">
               <a:buNone/>
+              <a:defRPr sz="840"/>
+            </a:lvl1pPr>
+            <a:lvl2pPr marL="240030" indent="0">
+              <a:buNone/>
+              <a:defRPr sz="735"/>
+            </a:lvl2pPr>
+            <a:lvl3pPr marL="480060" indent="0">
+              <a:buNone/>
               <a:defRPr sz="630"/>
-            </a:lvl1pPr>
-            <a:lvl2pPr marL="180045" indent="0">
-              <a:buNone/>
-              <a:defRPr sz="551"/>
-            </a:lvl2pPr>
-            <a:lvl3pPr marL="360091" indent="0">
-              <a:buNone/>
-              <a:defRPr sz="473"/>
             </a:lvl3pPr>
-            <a:lvl4pPr marL="540136" indent="0">
-              <a:buNone/>
-              <a:defRPr sz="394"/>
+            <a:lvl4pPr marL="720090" indent="0">
+              <a:buNone/>
+              <a:defRPr sz="525"/>
             </a:lvl4pPr>
-            <a:lvl5pPr marL="720181" indent="0">
-              <a:buNone/>
-              <a:defRPr sz="394"/>
+            <a:lvl5pPr marL="960120" indent="0">
+              <a:buNone/>
+              <a:defRPr sz="525"/>
             </a:lvl5pPr>
-            <a:lvl6pPr marL="900227" indent="0">
-              <a:buNone/>
-              <a:defRPr sz="394"/>
+            <a:lvl6pPr marL="1200150" indent="0">
+              <a:buNone/>
+              <a:defRPr sz="525"/>
             </a:lvl6pPr>
-            <a:lvl7pPr marL="1080272" indent="0">
-              <a:buNone/>
-              <a:defRPr sz="394"/>
+            <a:lvl7pPr marL="1440180" indent="0">
+              <a:buNone/>
+              <a:defRPr sz="525"/>
             </a:lvl7pPr>
-            <a:lvl8pPr marL="1260318" indent="0">
-              <a:buNone/>
-              <a:defRPr sz="394"/>
+            <a:lvl8pPr marL="1680210" indent="0">
+              <a:buNone/>
+              <a:defRPr sz="525"/>
             </a:lvl8pPr>
-            <a:lvl9pPr marL="1440363" indent="0">
-              <a:buNone/>
-              <a:defRPr sz="394"/>
+            <a:lvl9pPr marL="1920240" indent="0">
+              <a:buNone/>
+              <a:defRPr sz="525"/>
             </a:lvl9pPr>
           </a:lstStyle>
           <a:p>
@@ -2148,7 +2151,7 @@
     </p:spTree>
     <p:extLst>
       <p:ext uri="{BB962C8B-B14F-4D97-AF65-F5344CB8AC3E}">
-        <p14:creationId xmlns:p14="http://schemas.microsoft.com/office/powerpoint/2010/main" val="4269355677"/>
+        <p14:creationId xmlns:p14="http://schemas.microsoft.com/office/powerpoint/2010/main" val="677505050"/>
       </p:ext>
     </p:extLst>
   </p:cSld>
@@ -2187,15 +2190,15 @@
         </p:nvSpPr>
         <p:spPr>
           <a:xfrm>
-            <a:off x="248000" y="240030"/>
-            <a:ext cx="1161239" cy="840105"/>
+            <a:off x="495891" y="240030"/>
+            <a:ext cx="2321966" cy="840105"/>
           </a:xfrm>
         </p:spPr>
         <p:txBody>
           <a:bodyPr anchor="b"/>
           <a:lstStyle>
             <a:lvl1pPr>
-              <a:defRPr sz="1260"/>
+              <a:defRPr sz="1680"/>
             </a:lvl1pPr>
           </a:lstStyle>
           <a:p>
@@ -2219,8 +2222,8 @@
         </p:nvSpPr>
         <p:spPr>
           <a:xfrm>
-            <a:off x="1530660" y="518399"/>
-            <a:ext cx="1822728" cy="2558653"/>
+            <a:off x="3060646" y="518398"/>
+            <a:ext cx="3644652" cy="2558653"/>
           </a:xfrm>
         </p:spPr>
         <p:txBody>
@@ -2228,39 +2231,39 @@
           <a:lstStyle>
             <a:lvl1pPr marL="0" indent="0">
               <a:buNone/>
+              <a:defRPr sz="1680"/>
+            </a:lvl1pPr>
+            <a:lvl2pPr marL="240030" indent="0">
+              <a:buNone/>
+              <a:defRPr sz="1470"/>
+            </a:lvl2pPr>
+            <a:lvl3pPr marL="480060" indent="0">
+              <a:buNone/>
               <a:defRPr sz="1260"/>
-            </a:lvl1pPr>
-            <a:lvl2pPr marL="180045" indent="0">
-              <a:buNone/>
-              <a:defRPr sz="1103"/>
-            </a:lvl2pPr>
-            <a:lvl3pPr marL="360091" indent="0">
-              <a:buNone/>
-              <a:defRPr sz="945"/>
             </a:lvl3pPr>
-            <a:lvl4pPr marL="540136" indent="0">
-              <a:buNone/>
-              <a:defRPr sz="788"/>
+            <a:lvl4pPr marL="720090" indent="0">
+              <a:buNone/>
+              <a:defRPr sz="1050"/>
             </a:lvl4pPr>
-            <a:lvl5pPr marL="720181" indent="0">
-              <a:buNone/>
-              <a:defRPr sz="788"/>
+            <a:lvl5pPr marL="960120" indent="0">
+              <a:buNone/>
+              <a:defRPr sz="1050"/>
             </a:lvl5pPr>
-            <a:lvl6pPr marL="900227" indent="0">
-              <a:buNone/>
-              <a:defRPr sz="788"/>
+            <a:lvl6pPr marL="1200150" indent="0">
+              <a:buNone/>
+              <a:defRPr sz="1050"/>
             </a:lvl6pPr>
-            <a:lvl7pPr marL="1080272" indent="0">
-              <a:buNone/>
-              <a:defRPr sz="788"/>
+            <a:lvl7pPr marL="1440180" indent="0">
+              <a:buNone/>
+              <a:defRPr sz="1050"/>
             </a:lvl7pPr>
-            <a:lvl8pPr marL="1260318" indent="0">
-              <a:buNone/>
-              <a:defRPr sz="788"/>
+            <a:lvl8pPr marL="1680210" indent="0">
+              <a:buNone/>
+              <a:defRPr sz="1050"/>
             </a:lvl8pPr>
-            <a:lvl9pPr marL="1440363" indent="0">
-              <a:buNone/>
-              <a:defRPr sz="788"/>
+            <a:lvl9pPr marL="1920240" indent="0">
+              <a:buNone/>
+              <a:defRPr sz="1050"/>
             </a:lvl9pPr>
           </a:lstStyle>
           <a:p>
@@ -2284,8 +2287,8 @@
         </p:nvSpPr>
         <p:spPr>
           <a:xfrm>
-            <a:off x="248000" y="1080135"/>
-            <a:ext cx="1161239" cy="2001084"/>
+            <a:off x="495891" y="1080135"/>
+            <a:ext cx="2321966" cy="2001084"/>
           </a:xfrm>
         </p:spPr>
         <p:txBody>
@@ -2293,39 +2296,39 @@
           <a:lstStyle>
             <a:lvl1pPr marL="0" indent="0">
               <a:buNone/>
+              <a:defRPr sz="840"/>
+            </a:lvl1pPr>
+            <a:lvl2pPr marL="240030" indent="0">
+              <a:buNone/>
+              <a:defRPr sz="735"/>
+            </a:lvl2pPr>
+            <a:lvl3pPr marL="480060" indent="0">
+              <a:buNone/>
               <a:defRPr sz="630"/>
-            </a:lvl1pPr>
-            <a:lvl2pPr marL="180045" indent="0">
-              <a:buNone/>
-              <a:defRPr sz="551"/>
-            </a:lvl2pPr>
-            <a:lvl3pPr marL="360091" indent="0">
-              <a:buNone/>
-              <a:defRPr sz="473"/>
             </a:lvl3pPr>
-            <a:lvl4pPr marL="540136" indent="0">
-              <a:buNone/>
-              <a:defRPr sz="394"/>
+            <a:lvl4pPr marL="720090" indent="0">
+              <a:buNone/>
+              <a:defRPr sz="525"/>
             </a:lvl4pPr>
-            <a:lvl5pPr marL="720181" indent="0">
-              <a:buNone/>
-              <a:defRPr sz="394"/>
+            <a:lvl5pPr marL="960120" indent="0">
+              <a:buNone/>
+              <a:defRPr sz="525"/>
             </a:lvl5pPr>
-            <a:lvl6pPr marL="900227" indent="0">
-              <a:buNone/>
-              <a:defRPr sz="394"/>
+            <a:lvl6pPr marL="1200150" indent="0">
+              <a:buNone/>
+              <a:defRPr sz="525"/>
             </a:lvl6pPr>
-            <a:lvl7pPr marL="1080272" indent="0">
-              <a:buNone/>
-              <a:defRPr sz="394"/>
+            <a:lvl7pPr marL="1440180" indent="0">
+              <a:buNone/>
+              <a:defRPr sz="525"/>
             </a:lvl7pPr>
-            <a:lvl8pPr marL="1260318" indent="0">
-              <a:buNone/>
-              <a:defRPr sz="394"/>
+            <a:lvl8pPr marL="1680210" indent="0">
+              <a:buNone/>
+              <a:defRPr sz="525"/>
             </a:lvl8pPr>
-            <a:lvl9pPr marL="1440363" indent="0">
-              <a:buNone/>
-              <a:defRPr sz="394"/>
+            <a:lvl9pPr marL="1920240" indent="0">
+              <a:buNone/>
+              <a:defRPr sz="525"/>
             </a:lvl9pPr>
           </a:lstStyle>
           <a:p>
@@ -2405,7 +2408,7 @@
     </p:spTree>
     <p:extLst>
       <p:ext uri="{BB962C8B-B14F-4D97-AF65-F5344CB8AC3E}">
-        <p14:creationId xmlns:p14="http://schemas.microsoft.com/office/powerpoint/2010/main" val="1821765697"/>
+        <p14:creationId xmlns:p14="http://schemas.microsoft.com/office/powerpoint/2010/main" val="2570771779"/>
       </p:ext>
     </p:extLst>
   </p:cSld>
@@ -2449,8 +2452,8 @@
         </p:nvSpPr>
         <p:spPr>
           <a:xfrm>
-            <a:off x="247531" y="191691"/>
-            <a:ext cx="3105388" cy="695921"/>
+            <a:off x="494953" y="191691"/>
+            <a:ext cx="6209407" cy="695921"/>
           </a:xfrm>
           <a:prstGeom prst="rect">
             <a:avLst/>
@@ -2482,8 +2485,8 @@
         </p:nvSpPr>
         <p:spPr>
           <a:xfrm>
-            <a:off x="247531" y="958453"/>
-            <a:ext cx="3105388" cy="2284452"/>
+            <a:off x="494953" y="958453"/>
+            <a:ext cx="6209407" cy="2284452"/>
           </a:xfrm>
           <a:prstGeom prst="rect">
             <a:avLst/>
@@ -2544,8 +2547,8 @@
         </p:nvSpPr>
         <p:spPr>
           <a:xfrm>
-            <a:off x="247531" y="3337084"/>
-            <a:ext cx="810101" cy="191691"/>
+            <a:off x="494953" y="3337084"/>
+            <a:ext cx="1619845" cy="191691"/>
           </a:xfrm>
           <a:prstGeom prst="rect">
             <a:avLst/>
@@ -2555,7 +2558,7 @@
           <a:bodyPr vert="horz" lIns="91440" tIns="45720" rIns="91440" bIns="45720" rtlCol="0" anchor="ctr"/>
           <a:lstStyle>
             <a:lvl1pPr algn="l">
-              <a:defRPr sz="473">
+              <a:defRPr sz="630">
                 <a:solidFill>
                   <a:schemeClr val="tx1">
                     <a:tint val="75000"/>
@@ -2585,8 +2588,8 @@
         </p:nvSpPr>
         <p:spPr>
           <a:xfrm>
-            <a:off x="1192649" y="3337084"/>
-            <a:ext cx="1215152" cy="191691"/>
+            <a:off x="2384773" y="3337084"/>
+            <a:ext cx="2429768" cy="191691"/>
           </a:xfrm>
           <a:prstGeom prst="rect">
             <a:avLst/>
@@ -2596,7 +2599,7 @@
           <a:bodyPr vert="horz" lIns="91440" tIns="45720" rIns="91440" bIns="45720" rtlCol="0" anchor="ctr"/>
           <a:lstStyle>
             <a:lvl1pPr algn="ctr">
-              <a:defRPr sz="473">
+              <a:defRPr sz="630">
                 <a:solidFill>
                   <a:schemeClr val="tx1">
                     <a:tint val="75000"/>
@@ -2622,8 +2625,8 @@
         </p:nvSpPr>
         <p:spPr>
           <a:xfrm>
-            <a:off x="2542818" y="3337084"/>
-            <a:ext cx="810101" cy="191691"/>
+            <a:off x="5084515" y="3337084"/>
+            <a:ext cx="1619845" cy="191691"/>
           </a:xfrm>
           <a:prstGeom prst="rect">
             <a:avLst/>
@@ -2633,7 +2636,7 @@
           <a:bodyPr vert="horz" lIns="91440" tIns="45720" rIns="91440" bIns="45720" rtlCol="0" anchor="ctr"/>
           <a:lstStyle>
             <a:lvl1pPr algn="r">
-              <a:defRPr sz="473">
+              <a:defRPr sz="630">
                 <a:solidFill>
                   <a:schemeClr val="tx1">
                     <a:tint val="75000"/>
@@ -2654,27 +2657,27 @@
     </p:spTree>
     <p:extLst>
       <p:ext uri="{BB962C8B-B14F-4D97-AF65-F5344CB8AC3E}">
-        <p14:creationId xmlns:p14="http://schemas.microsoft.com/office/powerpoint/2010/main" val="3772311947"/>
+        <p14:creationId xmlns:p14="http://schemas.microsoft.com/office/powerpoint/2010/main" val="1391248976"/>
       </p:ext>
     </p:extLst>
   </p:cSld>
   <p:clrMap bg1="lt1" tx1="dk1" bg2="lt2" tx2="dk2" accent1="accent1" accent2="accent2" accent3="accent3" accent4="accent4" accent5="accent5" accent6="accent6" hlink="hlink" folHlink="folHlink"/>
   <p:sldLayoutIdLst>
-    <p:sldLayoutId id="2147483685" r:id="rId1"/>
-    <p:sldLayoutId id="2147483686" r:id="rId2"/>
-    <p:sldLayoutId id="2147483687" r:id="rId3"/>
-    <p:sldLayoutId id="2147483688" r:id="rId4"/>
-    <p:sldLayoutId id="2147483689" r:id="rId5"/>
-    <p:sldLayoutId id="2147483690" r:id="rId6"/>
-    <p:sldLayoutId id="2147483691" r:id="rId7"/>
-    <p:sldLayoutId id="2147483692" r:id="rId8"/>
-    <p:sldLayoutId id="2147483693" r:id="rId9"/>
-    <p:sldLayoutId id="2147483694" r:id="rId10"/>
-    <p:sldLayoutId id="2147483695" r:id="rId11"/>
+    <p:sldLayoutId id="2147483697" r:id="rId1"/>
+    <p:sldLayoutId id="2147483698" r:id="rId2"/>
+    <p:sldLayoutId id="2147483699" r:id="rId3"/>
+    <p:sldLayoutId id="2147483700" r:id="rId4"/>
+    <p:sldLayoutId id="2147483701" r:id="rId5"/>
+    <p:sldLayoutId id="2147483702" r:id="rId6"/>
+    <p:sldLayoutId id="2147483703" r:id="rId7"/>
+    <p:sldLayoutId id="2147483704" r:id="rId8"/>
+    <p:sldLayoutId id="2147483705" r:id="rId9"/>
+    <p:sldLayoutId id="2147483706" r:id="rId10"/>
+    <p:sldLayoutId id="2147483707" r:id="rId11"/>
   </p:sldLayoutIdLst>
   <p:txStyles>
     <p:titleStyle>
-      <a:lvl1pPr algn="l" defTabSz="360091" rtl="0" eaLnBrk="1" latinLnBrk="0" hangingPunct="1">
+      <a:lvl1pPr algn="l" defTabSz="480060" rtl="0" eaLnBrk="1" latinLnBrk="0" hangingPunct="1">
         <a:lnSpc>
           <a:spcPct val="90000"/>
         </a:lnSpc>
@@ -2682,7 +2685,7 @@
           <a:spcPct val="0"/>
         </a:spcBef>
         <a:buNone/>
-        <a:defRPr sz="1733" kern="1200">
+        <a:defRPr sz="2310" kern="1200">
           <a:solidFill>
             <a:schemeClr val="tx1"/>
           </a:solidFill>
@@ -2693,16 +2696,16 @@
       </a:lvl1pPr>
     </p:titleStyle>
     <p:bodyStyle>
-      <a:lvl1pPr marL="90023" indent="-90023" algn="l" defTabSz="360091" rtl="0" eaLnBrk="1" latinLnBrk="0" hangingPunct="1">
+      <a:lvl1pPr marL="120015" indent="-120015" algn="l" defTabSz="480060" rtl="0" eaLnBrk="1" latinLnBrk="0" hangingPunct="1">
         <a:lnSpc>
           <a:spcPct val="90000"/>
         </a:lnSpc>
         <a:spcBef>
-          <a:spcPts val="394"/>
+          <a:spcPts val="525"/>
         </a:spcBef>
         <a:buFont typeface="Arial" panose="020B0604020202020204" pitchFamily="34" charset="0"/>
         <a:buChar char="•"/>
-        <a:defRPr sz="1103" kern="1200">
+        <a:defRPr sz="1470" kern="1200">
           <a:solidFill>
             <a:schemeClr val="tx1"/>
           </a:solidFill>
@@ -2711,12 +2714,48 @@
           <a:cs typeface="+mn-cs"/>
         </a:defRPr>
       </a:lvl1pPr>
-      <a:lvl2pPr marL="270068" indent="-90023" algn="l" defTabSz="360091" rtl="0" eaLnBrk="1" latinLnBrk="0" hangingPunct="1">
+      <a:lvl2pPr marL="360045" indent="-120015" algn="l" defTabSz="480060" rtl="0" eaLnBrk="1" latinLnBrk="0" hangingPunct="1">
         <a:lnSpc>
           <a:spcPct val="90000"/>
         </a:lnSpc>
         <a:spcBef>
-          <a:spcPts val="197"/>
+          <a:spcPts val="263"/>
+        </a:spcBef>
+        <a:buFont typeface="Arial" panose="020B0604020202020204" pitchFamily="34" charset="0"/>
+        <a:buChar char="•"/>
+        <a:defRPr sz="1260" kern="1200">
+          <a:solidFill>
+            <a:schemeClr val="tx1"/>
+          </a:solidFill>
+          <a:latin typeface="+mn-lt"/>
+          <a:ea typeface="+mn-ea"/>
+          <a:cs typeface="+mn-cs"/>
+        </a:defRPr>
+      </a:lvl2pPr>
+      <a:lvl3pPr marL="600075" indent="-120015" algn="l" defTabSz="480060" rtl="0" eaLnBrk="1" latinLnBrk="0" hangingPunct="1">
+        <a:lnSpc>
+          <a:spcPct val="90000"/>
+        </a:lnSpc>
+        <a:spcBef>
+          <a:spcPts val="263"/>
+        </a:spcBef>
+        <a:buFont typeface="Arial" panose="020B0604020202020204" pitchFamily="34" charset="0"/>
+        <a:buChar char="•"/>
+        <a:defRPr sz="1050" kern="1200">
+          <a:solidFill>
+            <a:schemeClr val="tx1"/>
+          </a:solidFill>
+          <a:latin typeface="+mn-lt"/>
+          <a:ea typeface="+mn-ea"/>
+          <a:cs typeface="+mn-cs"/>
+        </a:defRPr>
+      </a:lvl3pPr>
+      <a:lvl4pPr marL="840105" indent="-120015" algn="l" defTabSz="480060" rtl="0" eaLnBrk="1" latinLnBrk="0" hangingPunct="1">
+        <a:lnSpc>
+          <a:spcPct val="90000"/>
+        </a:lnSpc>
+        <a:spcBef>
+          <a:spcPts val="263"/>
         </a:spcBef>
         <a:buFont typeface="Arial" panose="020B0604020202020204" pitchFamily="34" charset="0"/>
         <a:buChar char="•"/>
@@ -2728,53 +2767,17 @@
           <a:ea typeface="+mn-ea"/>
           <a:cs typeface="+mn-cs"/>
         </a:defRPr>
-      </a:lvl2pPr>
-      <a:lvl3pPr marL="450113" indent="-90023" algn="l" defTabSz="360091" rtl="0" eaLnBrk="1" latinLnBrk="0" hangingPunct="1">
+      </a:lvl4pPr>
+      <a:lvl5pPr marL="1080135" indent="-120015" algn="l" defTabSz="480060" rtl="0" eaLnBrk="1" latinLnBrk="0" hangingPunct="1">
         <a:lnSpc>
           <a:spcPct val="90000"/>
         </a:lnSpc>
         <a:spcBef>
-          <a:spcPts val="197"/>
+          <a:spcPts val="263"/>
         </a:spcBef>
         <a:buFont typeface="Arial" panose="020B0604020202020204" pitchFamily="34" charset="0"/>
         <a:buChar char="•"/>
-        <a:defRPr sz="788" kern="1200">
-          <a:solidFill>
-            <a:schemeClr val="tx1"/>
-          </a:solidFill>
-          <a:latin typeface="+mn-lt"/>
-          <a:ea typeface="+mn-ea"/>
-          <a:cs typeface="+mn-cs"/>
-        </a:defRPr>
-      </a:lvl3pPr>
-      <a:lvl4pPr marL="630159" indent="-90023" algn="l" defTabSz="360091" rtl="0" eaLnBrk="1" latinLnBrk="0" hangingPunct="1">
-        <a:lnSpc>
-          <a:spcPct val="90000"/>
-        </a:lnSpc>
-        <a:spcBef>
-          <a:spcPts val="197"/>
-        </a:spcBef>
-        <a:buFont typeface="Arial" panose="020B0604020202020204" pitchFamily="34" charset="0"/>
-        <a:buChar char="•"/>
-        <a:defRPr sz="709" kern="1200">
-          <a:solidFill>
-            <a:schemeClr val="tx1"/>
-          </a:solidFill>
-          <a:latin typeface="+mn-lt"/>
-          <a:ea typeface="+mn-ea"/>
-          <a:cs typeface="+mn-cs"/>
-        </a:defRPr>
-      </a:lvl4pPr>
-      <a:lvl5pPr marL="810204" indent="-90023" algn="l" defTabSz="360091" rtl="0" eaLnBrk="1" latinLnBrk="0" hangingPunct="1">
-        <a:lnSpc>
-          <a:spcPct val="90000"/>
-        </a:lnSpc>
-        <a:spcBef>
-          <a:spcPts val="197"/>
-        </a:spcBef>
-        <a:buFont typeface="Arial" panose="020B0604020202020204" pitchFamily="34" charset="0"/>
-        <a:buChar char="•"/>
-        <a:defRPr sz="709" kern="1200">
+        <a:defRPr sz="945" kern="1200">
           <a:solidFill>
             <a:schemeClr val="tx1"/>
           </a:solidFill>
@@ -2783,16 +2786,16 @@
           <a:cs typeface="+mn-cs"/>
         </a:defRPr>
       </a:lvl5pPr>
-      <a:lvl6pPr marL="990249" indent="-90023" algn="l" defTabSz="360091" rtl="0" eaLnBrk="1" latinLnBrk="0" hangingPunct="1">
+      <a:lvl6pPr marL="1320165" indent="-120015" algn="l" defTabSz="480060" rtl="0" eaLnBrk="1" latinLnBrk="0" hangingPunct="1">
         <a:lnSpc>
           <a:spcPct val="90000"/>
         </a:lnSpc>
         <a:spcBef>
-          <a:spcPts val="197"/>
+          <a:spcPts val="263"/>
         </a:spcBef>
         <a:buFont typeface="Arial" panose="020B0604020202020204" pitchFamily="34" charset="0"/>
         <a:buChar char="•"/>
-        <a:defRPr sz="709" kern="1200">
+        <a:defRPr sz="945" kern="1200">
           <a:solidFill>
             <a:schemeClr val="tx1"/>
           </a:solidFill>
@@ -2801,16 +2804,16 @@
           <a:cs typeface="+mn-cs"/>
         </a:defRPr>
       </a:lvl6pPr>
-      <a:lvl7pPr marL="1170295" indent="-90023" algn="l" defTabSz="360091" rtl="0" eaLnBrk="1" latinLnBrk="0" hangingPunct="1">
+      <a:lvl7pPr marL="1560195" indent="-120015" algn="l" defTabSz="480060" rtl="0" eaLnBrk="1" latinLnBrk="0" hangingPunct="1">
         <a:lnSpc>
           <a:spcPct val="90000"/>
         </a:lnSpc>
         <a:spcBef>
-          <a:spcPts val="197"/>
+          <a:spcPts val="263"/>
         </a:spcBef>
         <a:buFont typeface="Arial" panose="020B0604020202020204" pitchFamily="34" charset="0"/>
         <a:buChar char="•"/>
-        <a:defRPr sz="709" kern="1200">
+        <a:defRPr sz="945" kern="1200">
           <a:solidFill>
             <a:schemeClr val="tx1"/>
           </a:solidFill>
@@ -2819,16 +2822,16 @@
           <a:cs typeface="+mn-cs"/>
         </a:defRPr>
       </a:lvl7pPr>
-      <a:lvl8pPr marL="1350340" indent="-90023" algn="l" defTabSz="360091" rtl="0" eaLnBrk="1" latinLnBrk="0" hangingPunct="1">
+      <a:lvl8pPr marL="1800225" indent="-120015" algn="l" defTabSz="480060" rtl="0" eaLnBrk="1" latinLnBrk="0" hangingPunct="1">
         <a:lnSpc>
           <a:spcPct val="90000"/>
         </a:lnSpc>
         <a:spcBef>
-          <a:spcPts val="197"/>
+          <a:spcPts val="263"/>
         </a:spcBef>
         <a:buFont typeface="Arial" panose="020B0604020202020204" pitchFamily="34" charset="0"/>
         <a:buChar char="•"/>
-        <a:defRPr sz="709" kern="1200">
+        <a:defRPr sz="945" kern="1200">
           <a:solidFill>
             <a:schemeClr val="tx1"/>
           </a:solidFill>
@@ -2837,16 +2840,16 @@
           <a:cs typeface="+mn-cs"/>
         </a:defRPr>
       </a:lvl8pPr>
-      <a:lvl9pPr marL="1530386" indent="-90023" algn="l" defTabSz="360091" rtl="0" eaLnBrk="1" latinLnBrk="0" hangingPunct="1">
+      <a:lvl9pPr marL="2040255" indent="-120015" algn="l" defTabSz="480060" rtl="0" eaLnBrk="1" latinLnBrk="0" hangingPunct="1">
         <a:lnSpc>
           <a:spcPct val="90000"/>
         </a:lnSpc>
         <a:spcBef>
-          <a:spcPts val="197"/>
+          <a:spcPts val="263"/>
         </a:spcBef>
         <a:buFont typeface="Arial" panose="020B0604020202020204" pitchFamily="34" charset="0"/>
         <a:buChar char="•"/>
-        <a:defRPr sz="709" kern="1200">
+        <a:defRPr sz="945" kern="1200">
           <a:solidFill>
             <a:schemeClr val="tx1"/>
           </a:solidFill>
@@ -2860,8 +2863,8 @@
       <a:defPPr>
         <a:defRPr lang="en-US"/>
       </a:defPPr>
-      <a:lvl1pPr marL="0" algn="l" defTabSz="360091" rtl="0" eaLnBrk="1" latinLnBrk="0" hangingPunct="1">
-        <a:defRPr sz="709" kern="1200">
+      <a:lvl1pPr marL="0" algn="l" defTabSz="480060" rtl="0" eaLnBrk="1" latinLnBrk="0" hangingPunct="1">
+        <a:defRPr sz="945" kern="1200">
           <a:solidFill>
             <a:schemeClr val="tx1"/>
           </a:solidFill>
@@ -2870,8 +2873,8 @@
           <a:cs typeface="+mn-cs"/>
         </a:defRPr>
       </a:lvl1pPr>
-      <a:lvl2pPr marL="180045" algn="l" defTabSz="360091" rtl="0" eaLnBrk="1" latinLnBrk="0" hangingPunct="1">
-        <a:defRPr sz="709" kern="1200">
+      <a:lvl2pPr marL="240030" algn="l" defTabSz="480060" rtl="0" eaLnBrk="1" latinLnBrk="0" hangingPunct="1">
+        <a:defRPr sz="945" kern="1200">
           <a:solidFill>
             <a:schemeClr val="tx1"/>
           </a:solidFill>
@@ -2880,8 +2883,8 @@
           <a:cs typeface="+mn-cs"/>
         </a:defRPr>
       </a:lvl2pPr>
-      <a:lvl3pPr marL="360091" algn="l" defTabSz="360091" rtl="0" eaLnBrk="1" latinLnBrk="0" hangingPunct="1">
-        <a:defRPr sz="709" kern="1200">
+      <a:lvl3pPr marL="480060" algn="l" defTabSz="480060" rtl="0" eaLnBrk="1" latinLnBrk="0" hangingPunct="1">
+        <a:defRPr sz="945" kern="1200">
           <a:solidFill>
             <a:schemeClr val="tx1"/>
           </a:solidFill>
@@ -2890,8 +2893,8 @@
           <a:cs typeface="+mn-cs"/>
         </a:defRPr>
       </a:lvl3pPr>
-      <a:lvl4pPr marL="540136" algn="l" defTabSz="360091" rtl="0" eaLnBrk="1" latinLnBrk="0" hangingPunct="1">
-        <a:defRPr sz="709" kern="1200">
+      <a:lvl4pPr marL="720090" algn="l" defTabSz="480060" rtl="0" eaLnBrk="1" latinLnBrk="0" hangingPunct="1">
+        <a:defRPr sz="945" kern="1200">
           <a:solidFill>
             <a:schemeClr val="tx1"/>
           </a:solidFill>
@@ -2900,8 +2903,8 @@
           <a:cs typeface="+mn-cs"/>
         </a:defRPr>
       </a:lvl4pPr>
-      <a:lvl5pPr marL="720181" algn="l" defTabSz="360091" rtl="0" eaLnBrk="1" latinLnBrk="0" hangingPunct="1">
-        <a:defRPr sz="709" kern="1200">
+      <a:lvl5pPr marL="960120" algn="l" defTabSz="480060" rtl="0" eaLnBrk="1" latinLnBrk="0" hangingPunct="1">
+        <a:defRPr sz="945" kern="1200">
           <a:solidFill>
             <a:schemeClr val="tx1"/>
           </a:solidFill>
@@ -2910,8 +2913,8 @@
           <a:cs typeface="+mn-cs"/>
         </a:defRPr>
       </a:lvl5pPr>
-      <a:lvl6pPr marL="900227" algn="l" defTabSz="360091" rtl="0" eaLnBrk="1" latinLnBrk="0" hangingPunct="1">
-        <a:defRPr sz="709" kern="1200">
+      <a:lvl6pPr marL="1200150" algn="l" defTabSz="480060" rtl="0" eaLnBrk="1" latinLnBrk="0" hangingPunct="1">
+        <a:defRPr sz="945" kern="1200">
           <a:solidFill>
             <a:schemeClr val="tx1"/>
           </a:solidFill>
@@ -2920,8 +2923,8 @@
           <a:cs typeface="+mn-cs"/>
         </a:defRPr>
       </a:lvl6pPr>
-      <a:lvl7pPr marL="1080272" algn="l" defTabSz="360091" rtl="0" eaLnBrk="1" latinLnBrk="0" hangingPunct="1">
-        <a:defRPr sz="709" kern="1200">
+      <a:lvl7pPr marL="1440180" algn="l" defTabSz="480060" rtl="0" eaLnBrk="1" latinLnBrk="0" hangingPunct="1">
+        <a:defRPr sz="945" kern="1200">
           <a:solidFill>
             <a:schemeClr val="tx1"/>
           </a:solidFill>
@@ -2930,8 +2933,8 @@
           <a:cs typeface="+mn-cs"/>
         </a:defRPr>
       </a:lvl7pPr>
-      <a:lvl8pPr marL="1260318" algn="l" defTabSz="360091" rtl="0" eaLnBrk="1" latinLnBrk="0" hangingPunct="1">
-        <a:defRPr sz="709" kern="1200">
+      <a:lvl8pPr marL="1680210" algn="l" defTabSz="480060" rtl="0" eaLnBrk="1" latinLnBrk="0" hangingPunct="1">
+        <a:defRPr sz="945" kern="1200">
           <a:solidFill>
             <a:schemeClr val="tx1"/>
           </a:solidFill>
@@ -2940,8 +2943,8 @@
           <a:cs typeface="+mn-cs"/>
         </a:defRPr>
       </a:lvl8pPr>
-      <a:lvl9pPr marL="1440363" algn="l" defTabSz="360091" rtl="0" eaLnBrk="1" latinLnBrk="0" hangingPunct="1">
-        <a:defRPr sz="709" kern="1200">
+      <a:lvl9pPr marL="1920240" algn="l" defTabSz="480060" rtl="0" eaLnBrk="1" latinLnBrk="0" hangingPunct="1">
+        <a:defRPr sz="945" kern="1200">
           <a:solidFill>
             <a:schemeClr val="tx1"/>
           </a:solidFill>
@@ -2996,7 +2999,7 @@
         </p:nvSpPr>
         <p:spPr>
           <a:xfrm>
-            <a:off x="-1721940" y="51866"/>
+            <a:off x="77492" y="51866"/>
             <a:ext cx="3555585" cy="3497246"/>
           </a:xfrm>
           <a:prstGeom prst="ellipse">
@@ -3071,7 +3074,7 @@
         </p:nvSpPr>
         <p:spPr>
           <a:xfrm rot="21147149">
-            <a:off x="-1883161" y="158871"/>
+            <a:off x="-83730" y="158871"/>
             <a:ext cx="3456503" cy="1446550"/>
           </a:xfrm>
           <a:prstGeom prst="rect">
@@ -3114,7 +3117,7 @@
         </p:nvSpPr>
         <p:spPr>
           <a:xfrm rot="21103859">
-            <a:off x="-1471626" y="1773836"/>
+            <a:off x="327805" y="1773836"/>
             <a:ext cx="3413432" cy="1446550"/>
           </a:xfrm>
           <a:prstGeom prst="rect">
@@ -3150,7 +3153,7 @@
         </p:nvSpPr>
         <p:spPr>
           <a:xfrm rot="21081685">
-            <a:off x="-1684407" y="1205181"/>
+            <a:off x="115024" y="1205182"/>
             <a:ext cx="3413432" cy="1015663"/>
           </a:xfrm>
           <a:prstGeom prst="rect">
@@ -3190,7 +3193,7 @@
         </p:nvSpPr>
         <p:spPr>
           <a:xfrm>
-            <a:off x="1955598" y="848913"/>
+            <a:off x="3755030" y="848913"/>
             <a:ext cx="3168997" cy="1938992"/>
           </a:xfrm>
           <a:prstGeom prst="rect">
@@ -3270,7 +3273,7 @@
         </p:nvGrpSpPr>
         <p:grpSpPr>
           <a:xfrm>
-            <a:off x="-142680" y="51866"/>
+            <a:off x="1656752" y="51866"/>
             <a:ext cx="3824967" cy="3497246"/>
             <a:chOff x="-142680" y="51866"/>
             <a:chExt cx="3824967" cy="3497246"/>
@@ -3475,6 +3478,199 @@
     <p:extLst>
       <p:ext uri="{BB962C8B-B14F-4D97-AF65-F5344CB8AC3E}">
         <p14:creationId xmlns:p14="http://schemas.microsoft.com/office/powerpoint/2010/main" val="2900784042"/>
+      </p:ext>
+    </p:extLst>
+  </p:cSld>
+  <p:clrMapOvr>
+    <a:masterClrMapping/>
+  </p:clrMapOvr>
+</p:sld>
+</file>
+
+<file path=ppt/slides/slide3.xml><?xml version="1.0" encoding="utf-8"?>
+<p:sld xmlns:a="http://schemas.openxmlformats.org/drawingml/2006/main" xmlns:r="http://schemas.openxmlformats.org/officeDocument/2006/relationships" xmlns:p="http://schemas.openxmlformats.org/presentationml/2006/main">
+  <p:cSld>
+    <p:bg>
+      <p:bgPr>
+        <a:solidFill>
+          <a:schemeClr val="tx1">
+            <a:lumMod val="75000"/>
+            <a:lumOff val="25000"/>
+          </a:schemeClr>
+        </a:solidFill>
+        <a:effectLst/>
+      </p:bgPr>
+    </p:bg>
+    <p:spTree>
+      <p:nvGrpSpPr>
+        <p:cNvPr id="1" name=""/>
+        <p:cNvGrpSpPr/>
+        <p:nvPr/>
+      </p:nvGrpSpPr>
+      <p:grpSpPr>
+        <a:xfrm>
+          <a:off x="0" y="0"/>
+          <a:ext cx="0" cy="0"/>
+          <a:chOff x="0" y="0"/>
+          <a:chExt cx="0" cy="0"/>
+        </a:xfrm>
+      </p:grpSpPr>
+      <p:grpSp>
+        <p:nvGrpSpPr>
+          <p:cNvPr id="9" name="Group 8">
+            <a:extLst>
+              <a:ext uri="{FF2B5EF4-FFF2-40B4-BE49-F238E27FC236}">
+                <a16:creationId xmlns:a16="http://schemas.microsoft.com/office/drawing/2014/main" id="{532CC98F-0CD8-3FB9-CE6B-A6D42A00B649}"/>
+              </a:ext>
+            </a:extLst>
+          </p:cNvPr>
+          <p:cNvGrpSpPr/>
+          <p:nvPr/>
+        </p:nvGrpSpPr>
+        <p:grpSpPr>
+          <a:xfrm>
+            <a:off x="170368" y="847385"/>
+            <a:ext cx="6990202" cy="1938992"/>
+            <a:chOff x="302101" y="847385"/>
+            <a:chExt cx="6990202" cy="1938992"/>
+          </a:xfrm>
+        </p:grpSpPr>
+        <p:sp>
+          <p:nvSpPr>
+            <p:cNvPr id="5" name="TextBox 4">
+              <a:extLst>
+                <a:ext uri="{FF2B5EF4-FFF2-40B4-BE49-F238E27FC236}">
+                  <a16:creationId xmlns:a16="http://schemas.microsoft.com/office/drawing/2014/main" id="{F5496BA9-86EE-E973-6D21-8E53E2F968C3}"/>
+                </a:ext>
+              </a:extLst>
+            </p:cNvPr>
+            <p:cNvSpPr txBox="1"/>
+            <p:nvPr/>
+          </p:nvSpPr>
+          <p:spPr>
+            <a:xfrm>
+              <a:off x="302101" y="847385"/>
+              <a:ext cx="2944977" cy="1938992"/>
+            </a:xfrm>
+            <a:prstGeom prst="rect">
+              <a:avLst/>
+            </a:prstGeom>
+            <a:noFill/>
+          </p:spPr>
+          <p:txBody>
+            <a:bodyPr wrap="square" rtlCol="0">
+              <a:spAutoFit/>
+            </a:bodyPr>
+            <a:lstStyle/>
+            <a:p>
+              <a:pPr algn="ctr"/>
+              <a:r>
+                <a:rPr lang="en-DE" sz="6000" dirty="0">
+                  <a:solidFill>
+                    <a:schemeClr val="bg2"/>
+                  </a:solidFill>
+                </a:rPr>
+                <a:t>Open</a:t>
+              </a:r>
+            </a:p>
+            <a:p>
+              <a:pPr algn="ctr"/>
+              <a:r>
+                <a:rPr lang="en-DE" sz="6000" dirty="0">
+                  <a:solidFill>
+                    <a:schemeClr val="bg2"/>
+                  </a:solidFill>
+                </a:rPr>
+                <a:t>Science</a:t>
+              </a:r>
+            </a:p>
+          </p:txBody>
+        </p:sp>
+        <p:sp>
+          <p:nvSpPr>
+            <p:cNvPr id="6" name="TextBox 5">
+              <a:extLst>
+                <a:ext uri="{FF2B5EF4-FFF2-40B4-BE49-F238E27FC236}">
+                  <a16:creationId xmlns:a16="http://schemas.microsoft.com/office/drawing/2014/main" id="{0B8281F5-A905-D6A4-C98C-F09BBAD71488}"/>
+                </a:ext>
+              </a:extLst>
+            </p:cNvPr>
+            <p:cNvSpPr txBox="1"/>
+            <p:nvPr/>
+          </p:nvSpPr>
+          <p:spPr>
+            <a:xfrm>
+              <a:off x="3699366" y="847385"/>
+              <a:ext cx="3592937" cy="1938992"/>
+            </a:xfrm>
+            <a:prstGeom prst="rect">
+              <a:avLst/>
+            </a:prstGeom>
+            <a:noFill/>
+          </p:spPr>
+          <p:txBody>
+            <a:bodyPr wrap="square" rtlCol="0">
+              <a:spAutoFit/>
+            </a:bodyPr>
+            <a:lstStyle/>
+            <a:p>
+              <a:pPr algn="ctr"/>
+              <a:r>
+                <a:rPr lang="en-DE" sz="6000" dirty="0">
+                  <a:solidFill>
+                    <a:schemeClr val="bg2"/>
+                  </a:solidFill>
+                </a:rPr>
+                <a:t>Special Education</a:t>
+              </a:r>
+            </a:p>
+          </p:txBody>
+        </p:sp>
+        <p:sp>
+          <p:nvSpPr>
+            <p:cNvPr id="7" name="TextBox 6">
+              <a:extLst>
+                <a:ext uri="{FF2B5EF4-FFF2-40B4-BE49-F238E27FC236}">
+                  <a16:creationId xmlns:a16="http://schemas.microsoft.com/office/drawing/2014/main" id="{9DCADF0F-8CF6-725A-8E17-FFAA455CA552}"/>
+                </a:ext>
+              </a:extLst>
+            </p:cNvPr>
+            <p:cNvSpPr txBox="1"/>
+            <p:nvPr/>
+          </p:nvSpPr>
+          <p:spPr>
+            <a:xfrm>
+              <a:off x="1762098" y="1084698"/>
+              <a:ext cx="3413432" cy="1446550"/>
+            </a:xfrm>
+            <a:prstGeom prst="rect">
+              <a:avLst/>
+            </a:prstGeom>
+            <a:noFill/>
+          </p:spPr>
+          <p:txBody>
+            <a:bodyPr wrap="square" rtlCol="0">
+              <a:spAutoFit/>
+            </a:bodyPr>
+            <a:lstStyle/>
+            <a:p>
+              <a:pPr algn="ctr"/>
+              <a:r>
+                <a:rPr lang="en-DE" sz="8800" dirty="0">
+                  <a:solidFill>
+                    <a:srgbClr val="FF0000"/>
+                  </a:solidFill>
+                </a:rPr>
+                <a:t>4</a:t>
+              </a:r>
+            </a:p>
+          </p:txBody>
+        </p:sp>
+      </p:grpSp>
+    </p:spTree>
+    <p:extLst>
+      <p:ext uri="{BB962C8B-B14F-4D97-AF65-F5344CB8AC3E}">
+        <p14:creationId xmlns:p14="http://schemas.microsoft.com/office/powerpoint/2010/main" val="1018391905"/>
       </p:ext>
     </p:extLst>
   </p:cSld>
